--- a/Presentation/Presentation v5.pptx
+++ b/Presentation/Presentation v5.pptx
@@ -5,29 +5,31 @@
     <p:sldMasterId id="2147483735" r:id="rId1"/>
   </p:sldMasterIdLst>
   <p:notesMasterIdLst>
-    <p:notesMasterId r:id="rId19"/>
+    <p:notesMasterId r:id="rId21"/>
   </p:notesMasterIdLst>
   <p:handoutMasterIdLst>
-    <p:handoutMasterId r:id="rId20"/>
+    <p:handoutMasterId r:id="rId22"/>
   </p:handoutMasterIdLst>
   <p:sldIdLst>
     <p:sldId id="256" r:id="rId2"/>
     <p:sldId id="259" r:id="rId3"/>
-    <p:sldId id="260" r:id="rId4"/>
-    <p:sldId id="261" r:id="rId5"/>
-    <p:sldId id="262" r:id="rId6"/>
-    <p:sldId id="263" r:id="rId7"/>
-    <p:sldId id="272" r:id="rId8"/>
-    <p:sldId id="270" r:id="rId9"/>
-    <p:sldId id="267" r:id="rId10"/>
-    <p:sldId id="264" r:id="rId11"/>
-    <p:sldId id="265" r:id="rId12"/>
-    <p:sldId id="271" r:id="rId13"/>
-    <p:sldId id="273" r:id="rId14"/>
-    <p:sldId id="274" r:id="rId15"/>
-    <p:sldId id="266" r:id="rId16"/>
-    <p:sldId id="268" r:id="rId17"/>
-    <p:sldId id="269" r:id="rId18"/>
+    <p:sldId id="275" r:id="rId4"/>
+    <p:sldId id="260" r:id="rId5"/>
+    <p:sldId id="261" r:id="rId6"/>
+    <p:sldId id="262" r:id="rId7"/>
+    <p:sldId id="263" r:id="rId8"/>
+    <p:sldId id="276" r:id="rId9"/>
+    <p:sldId id="272" r:id="rId10"/>
+    <p:sldId id="270" r:id="rId11"/>
+    <p:sldId id="267" r:id="rId12"/>
+    <p:sldId id="264" r:id="rId13"/>
+    <p:sldId id="265" r:id="rId14"/>
+    <p:sldId id="271" r:id="rId15"/>
+    <p:sldId id="273" r:id="rId16"/>
+    <p:sldId id="274" r:id="rId17"/>
+    <p:sldId id="266" r:id="rId18"/>
+    <p:sldId id="268" r:id="rId19"/>
+    <p:sldId id="269" r:id="rId20"/>
   </p:sldIdLst>
   <p:sldSz cx="12192000" cy="6858000"/>
   <p:notesSz cx="6858000" cy="9144000"/>
@@ -4622,7 +4624,7 @@
           <a:p>
             <a:r>
               <a:rPr lang="en-US" dirty="0"/>
-              <a:t>Data for Analysis</a:t>
+              <a:t>Data Retrieving</a:t>
             </a:r>
           </a:p>
         </p:txBody>
@@ -4639,62 +4641,156 @@
         </p:nvSpPr>
         <p:spPr>
           <a:xfrm>
-            <a:off x="1477925" y="1765004"/>
-            <a:ext cx="5411972" cy="3581400"/>
-          </a:xfrm>
-        </p:spPr>
-        <p:txBody>
-          <a:bodyPr/>
+            <a:off x="1430081" y="1930051"/>
+            <a:ext cx="4603898" cy="3581400"/>
+          </a:xfrm>
+        </p:spPr>
+        <p:txBody>
+          <a:bodyPr>
+            <a:normAutofit fontScale="92500" lnSpcReduction="20000"/>
+          </a:bodyPr>
           <a:lstStyle/>
           <a:p>
             <a:r>
               <a:rPr lang="en-US" dirty="0"/>
-              <a:t>Final </a:t>
+              <a:t>Twitter : </a:t>
+            </a:r>
+            <a:endParaRPr lang="en-US" dirty="0" smtClean="0"/>
+          </a:p>
+          <a:p>
+            <a:pPr lvl="1"/>
+            <a:r>
+              <a:rPr lang="en-US" dirty="0" smtClean="0"/>
+              <a:t>Various </a:t>
+            </a:r>
+            <a:r>
+              <a:rPr lang="en-US" dirty="0"/>
+              <a:t>Twitter API’s and python </a:t>
+            </a:r>
+            <a:r>
+              <a:rPr lang="en-US" dirty="0" smtClean="0"/>
+              <a:t>libraries </a:t>
+            </a:r>
+            <a:r>
+              <a:rPr lang="en-US" dirty="0"/>
+              <a:t>“</a:t>
             </a:r>
             <a:r>
               <a:rPr lang="en-US" dirty="0" err="1"/>
-              <a:t>DataFrame</a:t>
+              <a:t>tweepy</a:t>
             </a:r>
             <a:r>
               <a:rPr lang="en-US" dirty="0"/>
-              <a:t>:</a:t>
-            </a:r>
+              <a:t>” </a:t>
+            </a:r>
+            <a:endParaRPr lang="en-US" dirty="0" smtClean="0"/>
           </a:p>
           <a:p>
             <a:pPr lvl="1"/>
             <a:r>
+              <a:rPr lang="en-US" dirty="0" smtClean="0"/>
+              <a:t>Careful </a:t>
+            </a:r>
+            <a:r>
               <a:rPr lang="en-US" dirty="0"/>
-              <a:t>Company Name</a:t>
+              <a:t>consideration on which tweet accounts to monitor</a:t>
+            </a:r>
+          </a:p>
+          <a:p>
+            <a:r>
+              <a:rPr lang="en-US" dirty="0" smtClean="0"/>
+              <a:t>News:</a:t>
             </a:r>
           </a:p>
           <a:p>
             <a:pPr lvl="1"/>
             <a:r>
+              <a:rPr lang="en-US" dirty="0" smtClean="0"/>
+              <a:t>stocknewsapi.com </a:t>
+            </a:r>
+            <a:r>
               <a:rPr lang="en-US" dirty="0"/>
-              <a:t>Open Stock Price</a:t>
+              <a:t>and newsapi.org</a:t>
+            </a:r>
+          </a:p>
+          <a:p>
+            <a:r>
+              <a:rPr lang="en-US" dirty="0" smtClean="0"/>
+              <a:t>Stocks:</a:t>
             </a:r>
           </a:p>
           <a:p>
             <a:pPr lvl="1"/>
             <a:r>
-              <a:rPr lang="en-US" dirty="0"/>
-              <a:t>Date (period: sliding one month)</a:t>
+              <a:rPr lang="en-US" dirty="0" smtClean="0"/>
+              <a:t>IEX API</a:t>
+            </a:r>
+          </a:p>
+          <a:p>
+            <a:r>
+              <a:rPr lang="en-US" dirty="0" smtClean="0"/>
+              <a:t>Google Trends:</a:t>
             </a:r>
           </a:p>
           <a:p>
             <a:pPr lvl="1"/>
             <a:r>
-              <a:rPr lang="en-US" dirty="0"/>
-              <a:t>Google Search Popularity </a:t>
-            </a:r>
-            <a:r>
               <a:rPr lang="en-US" dirty="0" smtClean="0"/>
-              <a:t>Rates</a:t>
+              <a:t>Pseudo API</a:t>
             </a:r>
             <a:endParaRPr lang="en-US" dirty="0"/>
           </a:p>
         </p:txBody>
       </p:sp>
+      <p:pic>
+        <p:nvPicPr>
+          <p:cNvPr id="3074" name="Picture 2" descr="Related image"/>
+          <p:cNvPicPr>
+            <a:picLocks noChangeAspect="1" noChangeArrowheads="1"/>
+          </p:cNvPicPr>
+          <p:nvPr/>
+        </p:nvPicPr>
+        <p:blipFill>
+          <a:blip r:embed="rId2">
+            <a:extLst>
+              <a:ext uri="{28A0092B-C50C-407E-A947-70E740481C1C}">
+                <a14:useLocalDpi xmlns:a14="http://schemas.microsoft.com/office/drawing/2010/main" val="0"/>
+              </a:ext>
+            </a:extLst>
+          </a:blip>
+          <a:srcRect/>
+          <a:stretch>
+            <a:fillRect/>
+          </a:stretch>
+        </p:blipFill>
+        <p:spPr bwMode="auto">
+          <a:xfrm>
+            <a:off x="6389093" y="2371094"/>
+            <a:ext cx="5137727" cy="2699314"/>
+          </a:xfrm>
+          <a:prstGeom prst="roundRect">
+            <a:avLst>
+              <a:gd name="adj" fmla="val 8594"/>
+            </a:avLst>
+          </a:prstGeom>
+          <a:solidFill>
+            <a:srgbClr val="FFFFFF">
+              <a:shade val="85000"/>
+            </a:srgbClr>
+          </a:solidFill>
+          <a:ln>
+            <a:noFill/>
+          </a:ln>
+          <a:effectLst>
+            <a:outerShdw blurRad="50800" dist="38100" dir="2700000" algn="tl" rotWithShape="0">
+              <a:prstClr val="black">
+                <a:alpha val="40000"/>
+              </a:prstClr>
+            </a:outerShdw>
+          </a:effectLst>
+          <a:extLst/>
+        </p:spPr>
+      </p:pic>
       <p:sp>
         <p:nvSpPr>
           <p:cNvPr id="6" name="Footer Placeholder 5"/>
@@ -4764,33 +4860,10 @@
           </a:p>
         </p:txBody>
       </p:sp>
-      <p:pic>
-        <p:nvPicPr>
-          <p:cNvPr id="5" name="Picture 4"/>
-          <p:cNvPicPr>
-            <a:picLocks noChangeAspect="1"/>
-          </p:cNvPicPr>
-          <p:nvPr/>
-        </p:nvPicPr>
-        <p:blipFill rotWithShape="1">
-          <a:blip r:embed="rId2"/>
-          <a:srcRect l="630" t="-474" r="-630" b="47837"/>
-          <a:stretch/>
-        </p:blipFill>
-        <p:spPr>
-          <a:xfrm>
-            <a:off x="1371600" y="3953044"/>
-            <a:ext cx="10267950" cy="2050594"/>
-          </a:xfrm>
-          <a:prstGeom prst="rect">
-            <a:avLst/>
-          </a:prstGeom>
-        </p:spPr>
-      </p:pic>
     </p:spTree>
     <p:extLst>
       <p:ext uri="{BB962C8B-B14F-4D97-AF65-F5344CB8AC3E}">
-        <p14:creationId xmlns:p14="http://schemas.microsoft.com/office/powerpoint/2010/main" val="2970799426"/>
+        <p14:creationId xmlns:p14="http://schemas.microsoft.com/office/powerpoint/2010/main" val="592763966"/>
       </p:ext>
     </p:extLst>
   </p:cSld>
@@ -4841,7 +4914,7 @@
           <a:p>
             <a:r>
               <a:rPr lang="en-US" dirty="0"/>
-              <a:t>Data for Statistical Model</a:t>
+              <a:t>Data Cleaning Process</a:t>
             </a:r>
           </a:p>
         </p:txBody>
@@ -4858,62 +4931,74 @@
         </p:nvSpPr>
         <p:spPr>
           <a:xfrm>
-            <a:off x="1408814" y="2399158"/>
-            <a:ext cx="4763386" cy="2557400"/>
-          </a:xfrm>
-        </p:spPr>
-        <p:txBody>
-          <a:bodyPr/>
+            <a:off x="1589567" y="1980314"/>
+            <a:ext cx="4582633" cy="3581400"/>
+          </a:xfrm>
+        </p:spPr>
+        <p:txBody>
+          <a:bodyPr>
+            <a:normAutofit fontScale="92500" lnSpcReduction="20000"/>
+          </a:bodyPr>
           <a:lstStyle/>
           <a:p>
             <a:r>
               <a:rPr lang="en-US" dirty="0"/>
-              <a:t>Dependent variable:</a:t>
-            </a:r>
-          </a:p>
-          <a:p>
-            <a:pPr lvl="1"/>
+              <a:t>Tweets and news are not on regular intervals for a particular stock</a:t>
+            </a:r>
+          </a:p>
+          <a:p>
             <a:r>
               <a:rPr lang="en-US" dirty="0"/>
-              <a:t>Open Stock Price</a:t>
+              <a:t>After performing sentimental analysis on tweets we had to merge results of sentiments by grouping them based on the dates</a:t>
             </a:r>
           </a:p>
           <a:p>
             <a:r>
               <a:rPr lang="en-US" dirty="0"/>
-              <a:t>Independent variables:</a:t>
-            </a:r>
-          </a:p>
-          <a:p>
-            <a:pPr lvl="1"/>
+              <a:t>Merging the data from Twitter, </a:t>
+            </a:r>
+            <a:r>
+              <a:rPr lang="en-US" dirty="0" smtClean="0"/>
+              <a:t>multiple </a:t>
+            </a:r>
             <a:r>
               <a:rPr lang="en-US" dirty="0"/>
-              <a:t>Google Search Popularity Rate</a:t>
-            </a:r>
-          </a:p>
-          <a:p>
-            <a:pPr lvl="1"/>
+              <a:t>news API’s and Google </a:t>
+            </a:r>
+            <a:r>
+              <a:rPr lang="en-US" dirty="0" smtClean="0"/>
+              <a:t>Trends </a:t>
+            </a:r>
             <a:r>
               <a:rPr lang="en-US" dirty="0"/>
-              <a:t>Twitter Sentiments (3 predictors)</a:t>
-            </a:r>
-          </a:p>
-          <a:p>
-            <a:pPr lvl="1"/>
+              <a:t>based on date</a:t>
+            </a:r>
+          </a:p>
+          <a:p>
             <a:r>
               <a:rPr lang="en-US" dirty="0"/>
-              <a:t>News Sentiments (3 predictors)</a:t>
-            </a:r>
-          </a:p>
-          <a:p>
-            <a:pPr lvl="1"/>
+              <a:t>Comparing the data merged data with stock </a:t>
+            </a:r>
+            <a:r>
+              <a:rPr lang="en-US" dirty="0" smtClean="0"/>
+              <a:t>prices</a:t>
+            </a:r>
+            <a:endParaRPr lang="en-US" dirty="0"/>
+          </a:p>
+          <a:p>
+            <a:r>
+              <a:rPr lang="en-US" dirty="0"/>
+              <a:t>We had to consider the fact that Tweets &amp; News might have bias in the data</a:t>
+            </a:r>
+          </a:p>
+          <a:p>
             <a:endParaRPr lang="en-US" dirty="0"/>
           </a:p>
         </p:txBody>
       </p:sp>
       <p:pic>
         <p:nvPicPr>
-          <p:cNvPr id="9224" name="Picture 8" descr="Related image"/>
+          <p:cNvPr id="4098" name="Picture 2" descr="Related image"/>
           <p:cNvPicPr>
             <a:picLocks noChangeAspect="1" noChangeArrowheads="1"/>
           </p:cNvPicPr>
@@ -4934,22 +5019,26 @@
         </p:blipFill>
         <p:spPr bwMode="auto">
           <a:xfrm>
-            <a:off x="7495668" y="1863510"/>
-            <a:ext cx="3357451" cy="3357451"/>
-          </a:xfrm>
-          <a:prstGeom prst="rect">
-            <a:avLst/>
+            <a:off x="6746150" y="1980314"/>
+            <a:ext cx="4762500" cy="3371851"/>
+          </a:xfrm>
+          <a:prstGeom prst="roundRect">
+            <a:avLst>
+              <a:gd name="adj" fmla="val 8594"/>
+            </a:avLst>
           </a:prstGeom>
-          <a:noFill/>
-          <a:extLst>
-            <a:ext uri="{909E8E84-426E-40DD-AFC4-6F175D3DCCD1}">
-              <a14:hiddenFill xmlns:a14="http://schemas.microsoft.com/office/drawing/2010/main">
-                <a:solidFill>
-                  <a:srgbClr val="FFFFFF"/>
-                </a:solidFill>
-              </a14:hiddenFill>
-            </a:ext>
-          </a:extLst>
+          <a:solidFill>
+            <a:srgbClr val="FFFFFF">
+              <a:shade val="85000"/>
+            </a:srgbClr>
+          </a:solidFill>
+          <a:ln>
+            <a:noFill/>
+          </a:ln>
+          <a:effectLst>
+            <a:reflection blurRad="12700" stA="38000" endPos="28000" dist="5000" dir="5400000" sy="-100000" algn="bl" rotWithShape="0"/>
+          </a:effectLst>
+          <a:extLst/>
         </p:spPr>
       </p:pic>
       <p:sp>
@@ -4972,7 +5061,6 @@
               <a:rPr lang="en-US"/>
               <a:t>UC Berkeley Data Analytics Boot Camp</a:t>
             </a:r>
-            <a:endParaRPr lang="en-US" dirty="0"/>
           </a:p>
         </p:txBody>
       </p:sp>
@@ -5024,7 +5112,7 @@
     </p:spTree>
     <p:extLst>
       <p:ext uri="{BB962C8B-B14F-4D97-AF65-F5344CB8AC3E}">
-        <p14:creationId xmlns:p14="http://schemas.microsoft.com/office/powerpoint/2010/main" val="3066210643"/>
+        <p14:creationId xmlns:p14="http://schemas.microsoft.com/office/powerpoint/2010/main" val="4236437244"/>
       </p:ext>
     </p:extLst>
   </p:cSld>
@@ -5075,8 +5163,76 @@
           <a:p>
             <a:r>
               <a:rPr lang="en-US" dirty="0"/>
-              <a:t>Visualization</a:t>
-            </a:r>
+              <a:t>Data for Analysis</a:t>
+            </a:r>
+          </a:p>
+        </p:txBody>
+      </p:sp>
+      <p:sp>
+        <p:nvSpPr>
+          <p:cNvPr id="3" name="Content Placeholder 2"/>
+          <p:cNvSpPr>
+            <a:spLocks noGrp="1"/>
+          </p:cNvSpPr>
+          <p:nvPr>
+            <p:ph idx="1"/>
+          </p:nvPr>
+        </p:nvSpPr>
+        <p:spPr>
+          <a:xfrm>
+            <a:off x="1477925" y="1765004"/>
+            <a:ext cx="5411972" cy="3581400"/>
+          </a:xfrm>
+        </p:spPr>
+        <p:txBody>
+          <a:bodyPr/>
+          <a:lstStyle/>
+          <a:p>
+            <a:r>
+              <a:rPr lang="en-US" dirty="0"/>
+              <a:t>Final </a:t>
+            </a:r>
+            <a:r>
+              <a:rPr lang="en-US" dirty="0" err="1"/>
+              <a:t>DataFrame</a:t>
+            </a:r>
+            <a:r>
+              <a:rPr lang="en-US" dirty="0"/>
+              <a:t>:</a:t>
+            </a:r>
+          </a:p>
+          <a:p>
+            <a:pPr lvl="1"/>
+            <a:r>
+              <a:rPr lang="en-US" dirty="0"/>
+              <a:t>Company Name</a:t>
+            </a:r>
+          </a:p>
+          <a:p>
+            <a:pPr lvl="1"/>
+            <a:r>
+              <a:rPr lang="en-US" dirty="0"/>
+              <a:t>Open Stock Price</a:t>
+            </a:r>
+          </a:p>
+          <a:p>
+            <a:pPr lvl="1"/>
+            <a:r>
+              <a:rPr lang="en-US" dirty="0"/>
+              <a:t>Date (period: sliding one month)</a:t>
+            </a:r>
+          </a:p>
+          <a:p>
+            <a:pPr lvl="1"/>
+            <a:r>
+              <a:rPr lang="en-US" dirty="0"/>
+              <a:t>Google Search Popularity </a:t>
+            </a:r>
+            <a:r>
+              <a:rPr lang="en-US" dirty="0" smtClean="0"/>
+              <a:t>Rates</a:t>
+            </a:r>
+            <a:endParaRPr lang="en-US" dirty="0"/>
           </a:p>
         </p:txBody>
       </p:sp>
@@ -5151,14 +5307,43 @@
       </p:sp>
       <p:pic>
         <p:nvPicPr>
-          <p:cNvPr id="4" name="Picture 3"/>
+          <p:cNvPr id="5" name="Picture 4"/>
+          <p:cNvPicPr>
+            <a:picLocks noChangeAspect="1"/>
+          </p:cNvPicPr>
+          <p:nvPr/>
+        </p:nvPicPr>
+        <p:blipFill rotWithShape="1">
+          <a:blip r:embed="rId2"/>
+          <a:srcRect l="630" t="-474" r="-630" b="47837"/>
+          <a:stretch/>
+        </p:blipFill>
+        <p:spPr>
+          <a:xfrm>
+            <a:off x="1371600" y="3953044"/>
+            <a:ext cx="10267950" cy="2050594"/>
+          </a:xfrm>
+          <a:prstGeom prst="rect">
+            <a:avLst/>
+          </a:prstGeom>
+        </p:spPr>
+      </p:pic>
+      <p:pic>
+        <p:nvPicPr>
+          <p:cNvPr id="9" name="Picture 8" descr="A picture containing indoor, person, text, table&#10;&#10;Description automatically generated">
+            <a:extLst>
+              <a:ext uri="{FF2B5EF4-FFF2-40B4-BE49-F238E27FC236}">
+                <a16:creationId xmlns:a16="http://schemas.microsoft.com/office/drawing/2014/main" id="{D4045F7C-5966-F840-958A-0062B86FCF91}"/>
+              </a:ext>
+            </a:extLst>
+          </p:cNvPr>
           <p:cNvPicPr>
             <a:picLocks noChangeAspect="1"/>
           </p:cNvPicPr>
           <p:nvPr/>
         </p:nvPicPr>
         <p:blipFill>
-          <a:blip r:embed="rId2" cstate="print">
+          <a:blip r:embed="rId3">
             <a:extLst>
               <a:ext uri="{28A0092B-C50C-407E-A947-70E740481C1C}">
                 <a14:useLocalDpi xmlns:a14="http://schemas.microsoft.com/office/drawing/2010/main" val="0"/>
@@ -5171,48 +5356,31 @@
         </p:blipFill>
         <p:spPr>
           <a:xfrm>
-            <a:off x="6554046" y="1563250"/>
-            <a:ext cx="5486411" cy="3657607"/>
-          </a:xfrm>
-          <a:prstGeom prst="rect">
-            <a:avLst/>
+            <a:off x="7166699" y="1169548"/>
+            <a:ext cx="3529298" cy="2238374"/>
+          </a:xfrm>
+          <a:prstGeom prst="roundRect">
+            <a:avLst>
+              <a:gd name="adj" fmla="val 8594"/>
+            </a:avLst>
           </a:prstGeom>
-        </p:spPr>
-      </p:pic>
-      <p:pic>
-        <p:nvPicPr>
-          <p:cNvPr id="5" name="Picture 4"/>
-          <p:cNvPicPr>
-            <a:picLocks noChangeAspect="1"/>
-          </p:cNvPicPr>
-          <p:nvPr/>
-        </p:nvPicPr>
-        <p:blipFill>
-          <a:blip r:embed="rId3" cstate="print">
-            <a:extLst>
-              <a:ext uri="{28A0092B-C50C-407E-A947-70E740481C1C}">
-                <a14:useLocalDpi xmlns:a14="http://schemas.microsoft.com/office/drawing/2010/main" val="0"/>
-              </a:ext>
-            </a:extLst>
-          </a:blip>
-          <a:stretch>
-            <a:fillRect/>
-          </a:stretch>
-        </p:blipFill>
-        <p:spPr>
-          <a:xfrm>
-            <a:off x="1126826" y="1563251"/>
-            <a:ext cx="5486411" cy="3657607"/>
-          </a:xfrm>
-          <a:prstGeom prst="rect">
-            <a:avLst/>
-          </a:prstGeom>
+          <a:solidFill>
+            <a:srgbClr val="FFFFFF">
+              <a:shade val="85000"/>
+            </a:srgbClr>
+          </a:solidFill>
+          <a:ln>
+            <a:noFill/>
+          </a:ln>
+          <a:effectLst>
+            <a:reflection blurRad="12700" stA="38000" endPos="28000" dist="5000" dir="5400000" sy="-100000" algn="bl" rotWithShape="0"/>
+          </a:effectLst>
         </p:spPr>
       </p:pic>
     </p:spTree>
     <p:extLst>
       <p:ext uri="{BB962C8B-B14F-4D97-AF65-F5344CB8AC3E}">
-        <p14:creationId xmlns:p14="http://schemas.microsoft.com/office/powerpoint/2010/main" val="3139016940"/>
+        <p14:creationId xmlns:p14="http://schemas.microsoft.com/office/powerpoint/2010/main" val="2970799426"/>
       </p:ext>
     </p:extLst>
   </p:cSld>
@@ -5263,143 +5431,190 @@
           <a:p>
             <a:r>
               <a:rPr lang="en-US" dirty="0"/>
-              <a:t>Visualization</a:t>
-            </a:r>
-          </a:p>
-        </p:txBody>
-      </p:sp>
-      <p:sp>
-        <p:nvSpPr>
-          <p:cNvPr id="6" name="Footer Placeholder 5"/>
-          <p:cNvSpPr>
-            <a:spLocks noGrp="1"/>
-          </p:cNvSpPr>
-          <p:nvPr>
-            <p:ph type="ftr" sz="quarter" idx="11"/>
-          </p:nvPr>
-        </p:nvSpPr>
-        <p:spPr/>
-        <p:txBody>
-          <a:bodyPr/>
-          <a:lstStyle/>
-          <a:p>
-            <a:pPr algn="ctr"/>
+              <a:t>Data for Statistical Model</a:t>
+            </a:r>
+          </a:p>
+        </p:txBody>
+      </p:sp>
+      <p:sp>
+        <p:nvSpPr>
+          <p:cNvPr id="3" name="Content Placeholder 2"/>
+          <p:cNvSpPr>
+            <a:spLocks noGrp="1"/>
+          </p:cNvSpPr>
+          <p:nvPr>
+            <p:ph idx="1"/>
+          </p:nvPr>
+        </p:nvSpPr>
+        <p:spPr>
+          <a:xfrm>
+            <a:off x="1408814" y="2399158"/>
+            <a:ext cx="4763386" cy="2557400"/>
+          </a:xfrm>
+        </p:spPr>
+        <p:txBody>
+          <a:bodyPr/>
+          <a:lstStyle/>
+          <a:p>
             <a:r>
               <a:rPr lang="en-US" dirty="0"/>
-              <a:t>UC Berkeley Data Analytics Boot Camp</a:t>
-            </a:r>
-          </a:p>
-        </p:txBody>
-      </p:sp>
-      <p:sp>
-        <p:nvSpPr>
-          <p:cNvPr id="7" name="Date Placeholder 6"/>
-          <p:cNvSpPr>
-            <a:spLocks noGrp="1"/>
-          </p:cNvSpPr>
-          <p:nvPr>
-            <p:ph type="dt" sz="half" idx="10"/>
-          </p:nvPr>
-        </p:nvSpPr>
-        <p:spPr/>
-        <p:txBody>
-          <a:bodyPr/>
-          <a:lstStyle/>
-          <a:p>
-            <a:r>
-              <a:rPr lang="en-US"/>
-              <a:t>4/4/2019</a:t>
-            </a:r>
-          </a:p>
-        </p:txBody>
-      </p:sp>
-      <p:sp>
-        <p:nvSpPr>
-          <p:cNvPr id="8" name="Slide Number Placeholder 7"/>
-          <p:cNvSpPr>
-            <a:spLocks noGrp="1"/>
-          </p:cNvSpPr>
-          <p:nvPr>
-            <p:ph type="sldNum" sz="quarter" idx="12"/>
-          </p:nvPr>
-        </p:nvSpPr>
-        <p:spPr/>
-        <p:txBody>
-          <a:bodyPr/>
-          <a:lstStyle/>
-          <a:p>
-            <a:fld id="{01C2FAFE-06B9-47BB-AC14-55FCFD711C00}" type="slidenum">
-              <a:rPr lang="en-US" smtClean="0"/>
-              <a:t>13</a:t>
-            </a:fld>
-            <a:endParaRPr lang="en-US"/>
+              <a:t>Dependent variable:</a:t>
+            </a:r>
+          </a:p>
+          <a:p>
+            <a:pPr lvl="1"/>
+            <a:r>
+              <a:rPr lang="en-US" dirty="0"/>
+              <a:t>Open Stock Price</a:t>
+            </a:r>
+          </a:p>
+          <a:p>
+            <a:r>
+              <a:rPr lang="en-US" dirty="0"/>
+              <a:t>Independent variables:</a:t>
+            </a:r>
+          </a:p>
+          <a:p>
+            <a:pPr lvl="1"/>
+            <a:r>
+              <a:rPr lang="en-US" dirty="0"/>
+              <a:t>Google Search Popularity Rate</a:t>
+            </a:r>
+          </a:p>
+          <a:p>
+            <a:pPr lvl="1"/>
+            <a:r>
+              <a:rPr lang="en-US" dirty="0"/>
+              <a:t>Twitter Sentiments (3 predictors)</a:t>
+            </a:r>
+          </a:p>
+          <a:p>
+            <a:pPr lvl="1"/>
+            <a:r>
+              <a:rPr lang="en-US" dirty="0"/>
+              <a:t>News Sentiments (3 predictors)</a:t>
+            </a:r>
+          </a:p>
+          <a:p>
+            <a:pPr lvl="1"/>
+            <a:endParaRPr lang="en-US" dirty="0"/>
           </a:p>
         </p:txBody>
       </p:sp>
       <p:pic>
         <p:nvPicPr>
-          <p:cNvPr id="3" name="Picture 2"/>
+          <p:cNvPr id="9224" name="Picture 8" descr="Related image"/>
           <p:cNvPicPr>
-            <a:picLocks noChangeAspect="1"/>
+            <a:picLocks noChangeAspect="1" noChangeArrowheads="1"/>
           </p:cNvPicPr>
           <p:nvPr/>
         </p:nvPicPr>
         <p:blipFill>
-          <a:blip r:embed="rId2" cstate="print">
+          <a:blip r:embed="rId2">
             <a:extLst>
               <a:ext uri="{28A0092B-C50C-407E-A947-70E740481C1C}">
                 <a14:useLocalDpi xmlns:a14="http://schemas.microsoft.com/office/drawing/2010/main" val="0"/>
               </a:ext>
             </a:extLst>
           </a:blip>
+          <a:srcRect/>
           <a:stretch>
             <a:fillRect/>
           </a:stretch>
         </p:blipFill>
-        <p:spPr>
-          <a:xfrm>
-            <a:off x="1136067" y="1701796"/>
-            <a:ext cx="5486411" cy="3657607"/>
+        <p:spPr bwMode="auto">
+          <a:xfrm>
+            <a:off x="7495668" y="1863510"/>
+            <a:ext cx="3357451" cy="3357451"/>
           </a:xfrm>
           <a:prstGeom prst="rect">
             <a:avLst/>
           </a:prstGeom>
+          <a:noFill/>
+          <a:extLst>
+            <a:ext uri="{909E8E84-426E-40DD-AFC4-6F175D3DCCD1}">
+              <a14:hiddenFill xmlns:a14="http://schemas.microsoft.com/office/drawing/2010/main">
+                <a:solidFill>
+                  <a:srgbClr val="FFFFFF"/>
+                </a:solidFill>
+              </a14:hiddenFill>
+            </a:ext>
+          </a:extLst>
         </p:spPr>
       </p:pic>
-      <p:pic>
-        <p:nvPicPr>
-          <p:cNvPr id="9" name="Picture 8"/>
-          <p:cNvPicPr>
-            <a:picLocks noChangeAspect="1"/>
-          </p:cNvPicPr>
-          <p:nvPr/>
-        </p:nvPicPr>
-        <p:blipFill>
-          <a:blip r:embed="rId3" cstate="print">
-            <a:extLst>
-              <a:ext uri="{28A0092B-C50C-407E-A947-70E740481C1C}">
-                <a14:useLocalDpi xmlns:a14="http://schemas.microsoft.com/office/drawing/2010/main" val="0"/>
-              </a:ext>
-            </a:extLst>
-          </a:blip>
-          <a:stretch>
-            <a:fillRect/>
-          </a:stretch>
-        </p:blipFill>
-        <p:spPr>
-          <a:xfrm>
-            <a:off x="6431188" y="1701795"/>
-            <a:ext cx="5486411" cy="3657607"/>
-          </a:xfrm>
-          <a:prstGeom prst="rect">
-            <a:avLst/>
-          </a:prstGeom>
-        </p:spPr>
-      </p:pic>
+      <p:sp>
+        <p:nvSpPr>
+          <p:cNvPr id="6" name="Footer Placeholder 5"/>
+          <p:cNvSpPr>
+            <a:spLocks noGrp="1"/>
+          </p:cNvSpPr>
+          <p:nvPr>
+            <p:ph type="ftr" sz="quarter" idx="11"/>
+          </p:nvPr>
+        </p:nvSpPr>
+        <p:spPr/>
+        <p:txBody>
+          <a:bodyPr/>
+          <a:lstStyle/>
+          <a:p>
+            <a:pPr algn="ctr"/>
+            <a:r>
+              <a:rPr lang="en-US"/>
+              <a:t>UC Berkeley Data Analytics Boot Camp</a:t>
+            </a:r>
+            <a:endParaRPr lang="en-US" dirty="0"/>
+          </a:p>
+        </p:txBody>
+      </p:sp>
+      <p:sp>
+        <p:nvSpPr>
+          <p:cNvPr id="7" name="Date Placeholder 6"/>
+          <p:cNvSpPr>
+            <a:spLocks noGrp="1"/>
+          </p:cNvSpPr>
+          <p:nvPr>
+            <p:ph type="dt" sz="half" idx="10"/>
+          </p:nvPr>
+        </p:nvSpPr>
+        <p:spPr/>
+        <p:txBody>
+          <a:bodyPr/>
+          <a:lstStyle/>
+          <a:p>
+            <a:r>
+              <a:rPr lang="en-US"/>
+              <a:t>4/4/2019</a:t>
+            </a:r>
+          </a:p>
+        </p:txBody>
+      </p:sp>
+      <p:sp>
+        <p:nvSpPr>
+          <p:cNvPr id="8" name="Slide Number Placeholder 7"/>
+          <p:cNvSpPr>
+            <a:spLocks noGrp="1"/>
+          </p:cNvSpPr>
+          <p:nvPr>
+            <p:ph type="sldNum" sz="quarter" idx="12"/>
+          </p:nvPr>
+        </p:nvSpPr>
+        <p:spPr/>
+        <p:txBody>
+          <a:bodyPr/>
+          <a:lstStyle/>
+          <a:p>
+            <a:fld id="{01C2FAFE-06B9-47BB-AC14-55FCFD711C00}" type="slidenum">
+              <a:rPr lang="en-US" smtClean="0"/>
+              <a:t>13</a:t>
+            </a:fld>
+            <a:endParaRPr lang="en-US"/>
+          </a:p>
+        </p:txBody>
+      </p:sp>
     </p:spTree>
     <p:extLst>
       <p:ext uri="{BB962C8B-B14F-4D97-AF65-F5344CB8AC3E}">
-        <p14:creationId xmlns:p14="http://schemas.microsoft.com/office/powerpoint/2010/main" val="1957913465"/>
+        <p14:creationId xmlns:p14="http://schemas.microsoft.com/office/powerpoint/2010/main" val="3066210643"/>
       </p:ext>
     </p:extLst>
   </p:cSld>
@@ -5472,9 +5687,10 @@
           <a:p>
             <a:pPr algn="ctr"/>
             <a:r>
-              <a:rPr lang="en-US" dirty="0"/>
+              <a:rPr lang="en-US"/>
               <a:t>UC Berkeley Data Analytics Boot Camp</a:t>
             </a:r>
+            <a:endParaRPr lang="en-US" dirty="0"/>
           </a:p>
         </p:txBody>
       </p:sp>
@@ -5545,7 +5761,7 @@
         </p:blipFill>
         <p:spPr>
           <a:xfrm>
-            <a:off x="1200721" y="1738741"/>
+            <a:off x="6554046" y="1563250"/>
             <a:ext cx="5486411" cy="3657607"/>
           </a:xfrm>
           <a:prstGeom prst="rect">
@@ -5575,7 +5791,7 @@
         </p:blipFill>
         <p:spPr>
           <a:xfrm>
-            <a:off x="6431188" y="1738740"/>
+            <a:off x="1126826" y="1563251"/>
             <a:ext cx="5486411" cy="3657607"/>
           </a:xfrm>
           <a:prstGeom prst="rect">
@@ -5586,7 +5802,7 @@
     </p:spTree>
     <p:extLst>
       <p:ext uri="{BB962C8B-B14F-4D97-AF65-F5344CB8AC3E}">
-        <p14:creationId xmlns:p14="http://schemas.microsoft.com/office/powerpoint/2010/main" val="1780853785"/>
+        <p14:creationId xmlns:p14="http://schemas.microsoft.com/office/powerpoint/2010/main" val="3139016940"/>
       </p:ext>
     </p:extLst>
   </p:cSld>
@@ -5637,7 +5853,7 @@
           <a:p>
             <a:r>
               <a:rPr lang="en-US" dirty="0"/>
-              <a:t>Model</a:t>
+              <a:t>Visualization</a:t>
             </a:r>
           </a:p>
         </p:txBody>
@@ -5659,10 +5875,9 @@
           <a:p>
             <a:pPr algn="ctr"/>
             <a:r>
-              <a:rPr lang="en-US"/>
+              <a:rPr lang="en-US" dirty="0"/>
               <a:t>UC Berkeley Data Analytics Boot Camp</a:t>
             </a:r>
-            <a:endParaRPr lang="en-US" dirty="0"/>
           </a:p>
         </p:txBody>
       </p:sp>
@@ -5713,22 +5928,58 @@
       </p:sp>
       <p:pic>
         <p:nvPicPr>
-          <p:cNvPr id="4" name="Picture 3"/>
+          <p:cNvPr id="3" name="Picture 2"/>
           <p:cNvPicPr>
             <a:picLocks noChangeAspect="1"/>
           </p:cNvPicPr>
           <p:nvPr/>
         </p:nvPicPr>
         <p:blipFill>
-          <a:blip r:embed="rId2"/>
+          <a:blip r:embed="rId2" cstate="print">
+            <a:extLst>
+              <a:ext uri="{28A0092B-C50C-407E-A947-70E740481C1C}">
+                <a14:useLocalDpi xmlns:a14="http://schemas.microsoft.com/office/drawing/2010/main" val="0"/>
+              </a:ext>
+            </a:extLst>
+          </a:blip>
           <a:stretch>
             <a:fillRect/>
           </a:stretch>
         </p:blipFill>
         <p:spPr>
           <a:xfrm>
-            <a:off x="2595222" y="1428750"/>
-            <a:ext cx="7533265" cy="4930409"/>
+            <a:off x="1136067" y="1701796"/>
+            <a:ext cx="5486411" cy="3657607"/>
+          </a:xfrm>
+          <a:prstGeom prst="rect">
+            <a:avLst/>
+          </a:prstGeom>
+        </p:spPr>
+      </p:pic>
+      <p:pic>
+        <p:nvPicPr>
+          <p:cNvPr id="9" name="Picture 8"/>
+          <p:cNvPicPr>
+            <a:picLocks noChangeAspect="1"/>
+          </p:cNvPicPr>
+          <p:nvPr/>
+        </p:nvPicPr>
+        <p:blipFill>
+          <a:blip r:embed="rId3" cstate="print">
+            <a:extLst>
+              <a:ext uri="{28A0092B-C50C-407E-A947-70E740481C1C}">
+                <a14:useLocalDpi xmlns:a14="http://schemas.microsoft.com/office/drawing/2010/main" val="0"/>
+              </a:ext>
+            </a:extLst>
+          </a:blip>
+          <a:stretch>
+            <a:fillRect/>
+          </a:stretch>
+        </p:blipFill>
+        <p:spPr>
+          <a:xfrm>
+            <a:off x="6431188" y="1701795"/>
+            <a:ext cx="5486411" cy="3657607"/>
           </a:xfrm>
           <a:prstGeom prst="rect">
             <a:avLst/>
@@ -5738,7 +5989,7 @@
     </p:spTree>
     <p:extLst>
       <p:ext uri="{BB962C8B-B14F-4D97-AF65-F5344CB8AC3E}">
-        <p14:creationId xmlns:p14="http://schemas.microsoft.com/office/powerpoint/2010/main" val="3409281531"/>
+        <p14:creationId xmlns:p14="http://schemas.microsoft.com/office/powerpoint/2010/main" val="1957913465"/>
       </p:ext>
     </p:extLst>
   </p:cSld>
@@ -5789,134 +6040,31 @@
           <a:p>
             <a:r>
               <a:rPr lang="en-US" dirty="0"/>
-              <a:t>Conclusion</a:t>
-            </a:r>
-          </a:p>
-        </p:txBody>
-      </p:sp>
-      <p:sp>
-        <p:nvSpPr>
-          <p:cNvPr id="3" name="Content Placeholder 2"/>
-          <p:cNvSpPr>
-            <a:spLocks noGrp="1"/>
-          </p:cNvSpPr>
-          <p:nvPr>
-            <p:ph idx="1"/>
-          </p:nvPr>
-        </p:nvSpPr>
-        <p:spPr>
-          <a:xfrm>
-            <a:off x="1371600" y="1824181"/>
-            <a:ext cx="9697428" cy="3581400"/>
-          </a:xfrm>
-        </p:spPr>
-        <p:txBody>
-          <a:bodyPr>
-            <a:normAutofit/>
-          </a:bodyPr>
-          <a:lstStyle/>
-          <a:p>
+              <a:t>Visualization</a:t>
+            </a:r>
+          </a:p>
+        </p:txBody>
+      </p:sp>
+      <p:sp>
+        <p:nvSpPr>
+          <p:cNvPr id="6" name="Footer Placeholder 5"/>
+          <p:cNvSpPr>
+            <a:spLocks noGrp="1"/>
+          </p:cNvSpPr>
+          <p:nvPr>
+            <p:ph type="ftr" sz="quarter" idx="11"/>
+          </p:nvPr>
+        </p:nvSpPr>
+        <p:spPr/>
+        <p:txBody>
+          <a:bodyPr/>
+          <a:lstStyle/>
+          <a:p>
+            <a:pPr algn="ctr"/>
             <a:r>
               <a:rPr lang="en-US" dirty="0"/>
-              <a:t>Stock prediction requires lots of variables e.g. company performance, people’s emotion about he company, global economic situation, weather </a:t>
-            </a:r>
-            <a:r>
-              <a:rPr lang="en-US" dirty="0" smtClean="0"/>
-              <a:t>patterns, </a:t>
-            </a:r>
-            <a:r>
-              <a:rPr lang="en-US" dirty="0"/>
-              <a:t>etc</a:t>
-            </a:r>
-            <a:r>
-              <a:rPr lang="en-US" dirty="0" smtClean="0"/>
-              <a:t>.</a:t>
-            </a:r>
-            <a:endParaRPr lang="en-US" dirty="0"/>
-          </a:p>
-          <a:p>
-            <a:r>
-              <a:rPr lang="en-US" dirty="0"/>
-              <a:t>In this project we are only tracking tweets, news, google trends, company stock </a:t>
-            </a:r>
-            <a:r>
-              <a:rPr lang="en-US" dirty="0" smtClean="0"/>
-              <a:t>and </a:t>
-            </a:r>
-            <a:r>
-              <a:rPr lang="en-US" dirty="0"/>
-              <a:t>we have limited access to free </a:t>
-            </a:r>
-            <a:r>
-              <a:rPr lang="en-US" dirty="0" smtClean="0"/>
-              <a:t>data</a:t>
-            </a:r>
-            <a:r>
-              <a:rPr lang="ru-RU" dirty="0" smtClean="0"/>
-              <a:t>, </a:t>
-            </a:r>
-            <a:r>
-              <a:rPr lang="en-US" dirty="0" smtClean="0"/>
-              <a:t>and our dataset is not representative</a:t>
-            </a:r>
-            <a:endParaRPr lang="en-US" dirty="0"/>
-          </a:p>
-          <a:p>
-            <a:r>
-              <a:rPr lang="en-US" dirty="0" smtClean="0"/>
-              <a:t>Sentiment analysis requires lots of data cleaning</a:t>
-            </a:r>
-            <a:endParaRPr lang="en-US" dirty="0"/>
-          </a:p>
-          <a:p>
-            <a:r>
-              <a:rPr lang="en-US" dirty="0" smtClean="0"/>
-              <a:t>Except</a:t>
-            </a:r>
-            <a:r>
-              <a:rPr lang="en-US" dirty="0" smtClean="0"/>
-              <a:t> </a:t>
-            </a:r>
-            <a:r>
-              <a:rPr lang="en-US" dirty="0"/>
-              <a:t>data analytics capabilities we also have to use machine learning capabilities to perform sentimental analysis and other </a:t>
-            </a:r>
-            <a:r>
-              <a:rPr lang="en-US" dirty="0" smtClean="0"/>
-              <a:t>techniques </a:t>
-            </a:r>
-            <a:endParaRPr lang="en-US" dirty="0" smtClean="0"/>
-          </a:p>
-          <a:p>
-            <a:r>
-              <a:rPr lang="en-US" dirty="0" smtClean="0"/>
-              <a:t>Our model doesn’t demonstrate a significant relationships among the data, but it doesn’t mean that there no relationships there, we need to do more additional analysis</a:t>
-            </a:r>
-            <a:endParaRPr lang="en-US" dirty="0" smtClean="0"/>
-          </a:p>
-        </p:txBody>
-      </p:sp>
-      <p:sp>
-        <p:nvSpPr>
-          <p:cNvPr id="6" name="Footer Placeholder 5"/>
-          <p:cNvSpPr>
-            <a:spLocks noGrp="1"/>
-          </p:cNvSpPr>
-          <p:nvPr>
-            <p:ph type="ftr" sz="quarter" idx="11"/>
-          </p:nvPr>
-        </p:nvSpPr>
-        <p:spPr/>
-        <p:txBody>
-          <a:bodyPr/>
-          <a:lstStyle/>
-          <a:p>
-            <a:pPr algn="ctr"/>
-            <a:r>
-              <a:rPr lang="en-US"/>
               <a:t>UC Berkeley Data Analytics Boot Camp</a:t>
             </a:r>
-            <a:endParaRPr lang="en-US" dirty="0"/>
           </a:p>
         </p:txBody>
       </p:sp>
@@ -5965,10 +6113,70 @@
           </a:p>
         </p:txBody>
       </p:sp>
+      <p:pic>
+        <p:nvPicPr>
+          <p:cNvPr id="4" name="Picture 3"/>
+          <p:cNvPicPr>
+            <a:picLocks noChangeAspect="1"/>
+          </p:cNvPicPr>
+          <p:nvPr/>
+        </p:nvPicPr>
+        <p:blipFill>
+          <a:blip r:embed="rId2" cstate="print">
+            <a:extLst>
+              <a:ext uri="{28A0092B-C50C-407E-A947-70E740481C1C}">
+                <a14:useLocalDpi xmlns:a14="http://schemas.microsoft.com/office/drawing/2010/main" val="0"/>
+              </a:ext>
+            </a:extLst>
+          </a:blip>
+          <a:stretch>
+            <a:fillRect/>
+          </a:stretch>
+        </p:blipFill>
+        <p:spPr>
+          <a:xfrm>
+            <a:off x="1200721" y="1738741"/>
+            <a:ext cx="5486411" cy="3657607"/>
+          </a:xfrm>
+          <a:prstGeom prst="rect">
+            <a:avLst/>
+          </a:prstGeom>
+        </p:spPr>
+      </p:pic>
+      <p:pic>
+        <p:nvPicPr>
+          <p:cNvPr id="5" name="Picture 4"/>
+          <p:cNvPicPr>
+            <a:picLocks noChangeAspect="1"/>
+          </p:cNvPicPr>
+          <p:nvPr/>
+        </p:nvPicPr>
+        <p:blipFill>
+          <a:blip r:embed="rId3" cstate="print">
+            <a:extLst>
+              <a:ext uri="{28A0092B-C50C-407E-A947-70E740481C1C}">
+                <a14:useLocalDpi xmlns:a14="http://schemas.microsoft.com/office/drawing/2010/main" val="0"/>
+              </a:ext>
+            </a:extLst>
+          </a:blip>
+          <a:stretch>
+            <a:fillRect/>
+          </a:stretch>
+        </p:blipFill>
+        <p:spPr>
+          <a:xfrm>
+            <a:off x="6431188" y="1738740"/>
+            <a:ext cx="5486411" cy="3657607"/>
+          </a:xfrm>
+          <a:prstGeom prst="rect">
+            <a:avLst/>
+          </a:prstGeom>
+        </p:spPr>
+      </p:pic>
     </p:spTree>
     <p:extLst>
       <p:ext uri="{BB962C8B-B14F-4D97-AF65-F5344CB8AC3E}">
-        <p14:creationId xmlns:p14="http://schemas.microsoft.com/office/powerpoint/2010/main" val="3374060296"/>
+        <p14:creationId xmlns:p14="http://schemas.microsoft.com/office/powerpoint/2010/main" val="1780853785"/>
       </p:ext>
     </p:extLst>
   </p:cSld>
@@ -6019,6 +6227,429 @@
           <a:p>
             <a:r>
               <a:rPr lang="en-US" dirty="0"/>
+              <a:t>Model</a:t>
+            </a:r>
+          </a:p>
+        </p:txBody>
+      </p:sp>
+      <p:sp>
+        <p:nvSpPr>
+          <p:cNvPr id="6" name="Footer Placeholder 5"/>
+          <p:cNvSpPr>
+            <a:spLocks noGrp="1"/>
+          </p:cNvSpPr>
+          <p:nvPr>
+            <p:ph type="ftr" sz="quarter" idx="11"/>
+          </p:nvPr>
+        </p:nvSpPr>
+        <p:spPr/>
+        <p:txBody>
+          <a:bodyPr/>
+          <a:lstStyle/>
+          <a:p>
+            <a:pPr algn="ctr"/>
+            <a:r>
+              <a:rPr lang="en-US"/>
+              <a:t>UC Berkeley Data Analytics Boot Camp</a:t>
+            </a:r>
+            <a:endParaRPr lang="en-US" dirty="0"/>
+          </a:p>
+        </p:txBody>
+      </p:sp>
+      <p:sp>
+        <p:nvSpPr>
+          <p:cNvPr id="7" name="Date Placeholder 6"/>
+          <p:cNvSpPr>
+            <a:spLocks noGrp="1"/>
+          </p:cNvSpPr>
+          <p:nvPr>
+            <p:ph type="dt" sz="half" idx="10"/>
+          </p:nvPr>
+        </p:nvSpPr>
+        <p:spPr/>
+        <p:txBody>
+          <a:bodyPr/>
+          <a:lstStyle/>
+          <a:p>
+            <a:r>
+              <a:rPr lang="en-US"/>
+              <a:t>4/4/2019</a:t>
+            </a:r>
+          </a:p>
+        </p:txBody>
+      </p:sp>
+      <p:sp>
+        <p:nvSpPr>
+          <p:cNvPr id="8" name="Slide Number Placeholder 7"/>
+          <p:cNvSpPr>
+            <a:spLocks noGrp="1"/>
+          </p:cNvSpPr>
+          <p:nvPr>
+            <p:ph type="sldNum" sz="quarter" idx="12"/>
+          </p:nvPr>
+        </p:nvSpPr>
+        <p:spPr/>
+        <p:txBody>
+          <a:bodyPr/>
+          <a:lstStyle/>
+          <a:p>
+            <a:fld id="{01C2FAFE-06B9-47BB-AC14-55FCFD711C00}" type="slidenum">
+              <a:rPr lang="en-US" smtClean="0"/>
+              <a:t>17</a:t>
+            </a:fld>
+            <a:endParaRPr lang="en-US"/>
+          </a:p>
+        </p:txBody>
+      </p:sp>
+      <p:pic>
+        <p:nvPicPr>
+          <p:cNvPr id="4" name="Picture 3"/>
+          <p:cNvPicPr>
+            <a:picLocks noChangeAspect="1"/>
+          </p:cNvPicPr>
+          <p:nvPr/>
+        </p:nvPicPr>
+        <p:blipFill>
+          <a:blip r:embed="rId2"/>
+          <a:stretch>
+            <a:fillRect/>
+          </a:stretch>
+        </p:blipFill>
+        <p:spPr>
+          <a:xfrm>
+            <a:off x="2595222" y="1428750"/>
+            <a:ext cx="7533265" cy="4930409"/>
+          </a:xfrm>
+          <a:prstGeom prst="rect">
+            <a:avLst/>
+          </a:prstGeom>
+        </p:spPr>
+      </p:pic>
+    </p:spTree>
+    <p:extLst>
+      <p:ext uri="{BB962C8B-B14F-4D97-AF65-F5344CB8AC3E}">
+        <p14:creationId xmlns:p14="http://schemas.microsoft.com/office/powerpoint/2010/main" val="3409281531"/>
+      </p:ext>
+    </p:extLst>
+  </p:cSld>
+  <p:clrMapOvr>
+    <a:masterClrMapping/>
+  </p:clrMapOvr>
+  <p:timing>
+    <p:tnLst>
+      <p:par>
+        <p:cTn id="1" dur="indefinite" restart="never" nodeType="tmRoot"/>
+      </p:par>
+    </p:tnLst>
+  </p:timing>
+</p:sld>
+</file>
+
+<file path=ppt/slides/slide18.xml><?xml version="1.0" encoding="utf-8"?>
+<p:sld xmlns:a="http://schemas.openxmlformats.org/drawingml/2006/main" xmlns:r="http://schemas.openxmlformats.org/officeDocument/2006/relationships" xmlns:p="http://schemas.openxmlformats.org/presentationml/2006/main">
+  <p:cSld>
+    <p:spTree>
+      <p:nvGrpSpPr>
+        <p:cNvPr id="1" name=""/>
+        <p:cNvGrpSpPr/>
+        <p:nvPr/>
+      </p:nvGrpSpPr>
+      <p:grpSpPr>
+        <a:xfrm>
+          <a:off x="0" y="0"/>
+          <a:ext cx="0" cy="0"/>
+          <a:chOff x="0" y="0"/>
+          <a:chExt cx="0" cy="0"/>
+        </a:xfrm>
+      </p:grpSpPr>
+      <p:sp>
+        <p:nvSpPr>
+          <p:cNvPr id="2" name="Title 1"/>
+          <p:cNvSpPr>
+            <a:spLocks noGrp="1"/>
+          </p:cNvSpPr>
+          <p:nvPr>
+            <p:ph type="title"/>
+          </p:nvPr>
+        </p:nvSpPr>
+        <p:spPr/>
+        <p:txBody>
+          <a:bodyPr/>
+          <a:lstStyle/>
+          <a:p>
+            <a:r>
+              <a:rPr lang="en-US" dirty="0"/>
+              <a:t>Conclusion</a:t>
+            </a:r>
+          </a:p>
+        </p:txBody>
+      </p:sp>
+      <p:sp>
+        <p:nvSpPr>
+          <p:cNvPr id="3" name="Content Placeholder 2"/>
+          <p:cNvSpPr>
+            <a:spLocks noGrp="1"/>
+          </p:cNvSpPr>
+          <p:nvPr>
+            <p:ph idx="1"/>
+          </p:nvPr>
+        </p:nvSpPr>
+        <p:spPr>
+          <a:xfrm>
+            <a:off x="1371600" y="1824181"/>
+            <a:ext cx="6128327" cy="3581400"/>
+          </a:xfrm>
+        </p:spPr>
+        <p:txBody>
+          <a:bodyPr>
+            <a:normAutofit fontScale="85000" lnSpcReduction="10000"/>
+          </a:bodyPr>
+          <a:lstStyle/>
+          <a:p>
+            <a:r>
+              <a:rPr lang="en-US" dirty="0"/>
+              <a:t>Stock prediction requires lots of variables e.g. company performance, people’s emotion about he company, global economic situation, weather </a:t>
+            </a:r>
+            <a:r>
+              <a:rPr lang="en-US" dirty="0" smtClean="0"/>
+              <a:t>patterns, </a:t>
+            </a:r>
+            <a:r>
+              <a:rPr lang="en-US" dirty="0"/>
+              <a:t>etc</a:t>
+            </a:r>
+            <a:r>
+              <a:rPr lang="en-US" dirty="0" smtClean="0"/>
+              <a:t>.</a:t>
+            </a:r>
+            <a:endParaRPr lang="en-US" dirty="0"/>
+          </a:p>
+          <a:p>
+            <a:r>
+              <a:rPr lang="en-US" dirty="0"/>
+              <a:t>In this project we are only tracking tweets, news, google trends, company stock </a:t>
+            </a:r>
+            <a:r>
+              <a:rPr lang="en-US" dirty="0" smtClean="0"/>
+              <a:t>and </a:t>
+            </a:r>
+            <a:r>
+              <a:rPr lang="en-US" dirty="0"/>
+              <a:t>we have limited access to free </a:t>
+            </a:r>
+            <a:r>
+              <a:rPr lang="en-US" dirty="0" smtClean="0"/>
+              <a:t>data</a:t>
+            </a:r>
+            <a:r>
+              <a:rPr lang="ru-RU" dirty="0" smtClean="0"/>
+              <a:t>, </a:t>
+            </a:r>
+            <a:r>
+              <a:rPr lang="en-US" dirty="0" smtClean="0"/>
+              <a:t>and our dataset is not representative</a:t>
+            </a:r>
+            <a:endParaRPr lang="en-US" dirty="0"/>
+          </a:p>
+          <a:p>
+            <a:r>
+              <a:rPr lang="en-US" dirty="0" smtClean="0"/>
+              <a:t>Sentiment analysis requires lots of data cleaning</a:t>
+            </a:r>
+            <a:endParaRPr lang="en-US" dirty="0"/>
+          </a:p>
+          <a:p>
+            <a:r>
+              <a:rPr lang="en-US" dirty="0" smtClean="0"/>
+              <a:t>Except </a:t>
+            </a:r>
+            <a:r>
+              <a:rPr lang="en-US" dirty="0"/>
+              <a:t>data analytics capabilities we also have to use machine learning capabilities to perform sentimental analysis and other </a:t>
+            </a:r>
+            <a:r>
+              <a:rPr lang="en-US" dirty="0" smtClean="0"/>
+              <a:t>techniques </a:t>
+            </a:r>
+          </a:p>
+          <a:p>
+            <a:r>
+              <a:rPr lang="en-US" dirty="0" smtClean="0"/>
+              <a:t>Our model doesn’t demonstrate a significant relationships among the data, but it doesn’t mean that there no relationships there, we need to do more additional analysis</a:t>
+            </a:r>
+          </a:p>
+        </p:txBody>
+      </p:sp>
+      <p:sp>
+        <p:nvSpPr>
+          <p:cNvPr id="6" name="Footer Placeholder 5"/>
+          <p:cNvSpPr>
+            <a:spLocks noGrp="1"/>
+          </p:cNvSpPr>
+          <p:nvPr>
+            <p:ph type="ftr" sz="quarter" idx="11"/>
+          </p:nvPr>
+        </p:nvSpPr>
+        <p:spPr/>
+        <p:txBody>
+          <a:bodyPr/>
+          <a:lstStyle/>
+          <a:p>
+            <a:pPr algn="ctr"/>
+            <a:r>
+              <a:rPr lang="en-US"/>
+              <a:t>UC Berkeley Data Analytics Boot Camp</a:t>
+            </a:r>
+            <a:endParaRPr lang="en-US" dirty="0"/>
+          </a:p>
+        </p:txBody>
+      </p:sp>
+      <p:sp>
+        <p:nvSpPr>
+          <p:cNvPr id="7" name="Date Placeholder 6"/>
+          <p:cNvSpPr>
+            <a:spLocks noGrp="1"/>
+          </p:cNvSpPr>
+          <p:nvPr>
+            <p:ph type="dt" sz="half" idx="10"/>
+          </p:nvPr>
+        </p:nvSpPr>
+        <p:spPr/>
+        <p:txBody>
+          <a:bodyPr/>
+          <a:lstStyle/>
+          <a:p>
+            <a:r>
+              <a:rPr lang="en-US"/>
+              <a:t>4/4/2019</a:t>
+            </a:r>
+          </a:p>
+        </p:txBody>
+      </p:sp>
+      <p:sp>
+        <p:nvSpPr>
+          <p:cNvPr id="8" name="Slide Number Placeholder 7"/>
+          <p:cNvSpPr>
+            <a:spLocks noGrp="1"/>
+          </p:cNvSpPr>
+          <p:nvPr>
+            <p:ph type="sldNum" sz="quarter" idx="12"/>
+          </p:nvPr>
+        </p:nvSpPr>
+        <p:spPr/>
+        <p:txBody>
+          <a:bodyPr/>
+          <a:lstStyle/>
+          <a:p>
+            <a:fld id="{01C2FAFE-06B9-47BB-AC14-55FCFD711C00}" type="slidenum">
+              <a:rPr lang="en-US" smtClean="0"/>
+              <a:t>18</a:t>
+            </a:fld>
+            <a:endParaRPr lang="en-US"/>
+          </a:p>
+        </p:txBody>
+      </p:sp>
+      <p:pic>
+        <p:nvPicPr>
+          <p:cNvPr id="9" name="Picture 8" descr="A person posing for a picture&#10;&#10;Description automatically generated">
+            <a:extLst>
+              <a:ext uri="{FF2B5EF4-FFF2-40B4-BE49-F238E27FC236}">
+                <a16:creationId xmlns:a16="http://schemas.microsoft.com/office/drawing/2014/main" id="{DE79E2E0-193D-BC40-8B2D-8178FA2A876C}"/>
+              </a:ext>
+            </a:extLst>
+          </p:cNvPr>
+          <p:cNvPicPr>
+            <a:picLocks noChangeAspect="1"/>
+          </p:cNvPicPr>
+          <p:nvPr/>
+        </p:nvPicPr>
+        <p:blipFill>
+          <a:blip r:embed="rId2">
+            <a:extLst>
+              <a:ext uri="{28A0092B-C50C-407E-A947-70E740481C1C}">
+                <a14:useLocalDpi xmlns:a14="http://schemas.microsoft.com/office/drawing/2010/main" val="0"/>
+              </a:ext>
+            </a:extLst>
+          </a:blip>
+          <a:stretch>
+            <a:fillRect/>
+          </a:stretch>
+        </p:blipFill>
+        <p:spPr>
+          <a:xfrm>
+            <a:off x="7675569" y="2171700"/>
+            <a:ext cx="3858930" cy="2715544"/>
+          </a:xfrm>
+          <a:prstGeom prst="roundRect">
+            <a:avLst>
+              <a:gd name="adj" fmla="val 8594"/>
+            </a:avLst>
+          </a:prstGeom>
+          <a:solidFill>
+            <a:srgbClr val="FFFFFF">
+              <a:shade val="85000"/>
+            </a:srgbClr>
+          </a:solidFill>
+          <a:ln>
+            <a:noFill/>
+          </a:ln>
+          <a:effectLst/>
+        </p:spPr>
+      </p:pic>
+    </p:spTree>
+    <p:extLst>
+      <p:ext uri="{BB962C8B-B14F-4D97-AF65-F5344CB8AC3E}">
+        <p14:creationId xmlns:p14="http://schemas.microsoft.com/office/powerpoint/2010/main" val="3374060296"/>
+      </p:ext>
+    </p:extLst>
+  </p:cSld>
+  <p:clrMapOvr>
+    <a:masterClrMapping/>
+  </p:clrMapOvr>
+  <p:timing>
+    <p:tnLst>
+      <p:par>
+        <p:cTn id="1" dur="indefinite" restart="never" nodeType="tmRoot"/>
+      </p:par>
+    </p:tnLst>
+  </p:timing>
+</p:sld>
+</file>
+
+<file path=ppt/slides/slide19.xml><?xml version="1.0" encoding="utf-8"?>
+<p:sld xmlns:a="http://schemas.openxmlformats.org/drawingml/2006/main" xmlns:r="http://schemas.openxmlformats.org/officeDocument/2006/relationships" xmlns:p="http://schemas.openxmlformats.org/presentationml/2006/main">
+  <p:cSld>
+    <p:spTree>
+      <p:nvGrpSpPr>
+        <p:cNvPr id="1" name=""/>
+        <p:cNvGrpSpPr/>
+        <p:nvPr/>
+      </p:nvGrpSpPr>
+      <p:grpSpPr>
+        <a:xfrm>
+          <a:off x="0" y="0"/>
+          <a:ext cx="0" cy="0"/>
+          <a:chOff x="0" y="0"/>
+          <a:chExt cx="0" cy="0"/>
+        </a:xfrm>
+      </p:grpSpPr>
+      <p:sp>
+        <p:nvSpPr>
+          <p:cNvPr id="2" name="Title 1"/>
+          <p:cNvSpPr>
+            <a:spLocks noGrp="1"/>
+          </p:cNvSpPr>
+          <p:nvPr>
+            <p:ph type="title"/>
+          </p:nvPr>
+        </p:nvSpPr>
+        <p:spPr/>
+        <p:txBody>
+          <a:bodyPr/>
+          <a:lstStyle/>
+          <a:p>
+            <a:r>
+              <a:rPr lang="en-US" dirty="0"/>
               <a:t>Q&amp;A</a:t>
             </a:r>
           </a:p>
@@ -6119,7 +6750,7 @@
           <a:p>
             <a:fld id="{01C2FAFE-06B9-47BB-AC14-55FCFD711C00}" type="slidenum">
               <a:rPr lang="en-US" smtClean="0"/>
-              <a:t>17</a:t>
+              <a:t>19</a:t>
             </a:fld>
             <a:endParaRPr lang="en-US"/>
           </a:p>
@@ -6637,6 +7268,265 @@
             <p:ph type="title"/>
           </p:nvPr>
         </p:nvSpPr>
+        <p:spPr>
+          <a:xfrm>
+            <a:off x="6695025" y="2016617"/>
+            <a:ext cx="4798243" cy="1124899"/>
+          </a:xfrm>
+        </p:spPr>
+        <p:txBody>
+          <a:bodyPr vert="horz" lIns="91440" tIns="45720" rIns="91440" bIns="45720" rtlCol="0" anchor="b">
+            <a:normAutofit/>
+          </a:bodyPr>
+          <a:lstStyle/>
+          <a:p>
+            <a:pPr algn="ctr"/>
+            <a:r>
+              <a:rPr lang="en-US" sz="7200" cap="all" dirty="0"/>
+              <a:t>Aim</a:t>
+            </a:r>
+          </a:p>
+        </p:txBody>
+      </p:sp>
+      <p:sp>
+        <p:nvSpPr>
+          <p:cNvPr id="3" name="Content Placeholder 2"/>
+          <p:cNvSpPr>
+            <a:spLocks noGrp="1"/>
+          </p:cNvSpPr>
+          <p:nvPr>
+            <p:ph idx="1"/>
+          </p:nvPr>
+        </p:nvSpPr>
+        <p:spPr>
+          <a:xfrm>
+            <a:off x="6767303" y="3385264"/>
+            <a:ext cx="4798243" cy="1794656"/>
+          </a:xfrm>
+        </p:spPr>
+        <p:txBody>
+          <a:bodyPr vert="horz" lIns="91440" tIns="45720" rIns="91440" bIns="45720" rtlCol="0">
+            <a:normAutofit/>
+          </a:bodyPr>
+          <a:lstStyle/>
+          <a:p>
+            <a:pPr marL="0" indent="0" algn="ctr">
+              <a:lnSpc>
+                <a:spcPct val="112000"/>
+              </a:lnSpc>
+              <a:spcBef>
+                <a:spcPts val="0"/>
+              </a:spcBef>
+              <a:spcAft>
+                <a:spcPts val="600"/>
+              </a:spcAft>
+              <a:buNone/>
+            </a:pPr>
+            <a:r>
+              <a:rPr lang="en-US" sz="2300" dirty="0"/>
+              <a:t>To discover relationships between Company Stock Prices and their Internet Presence</a:t>
+            </a:r>
+          </a:p>
+        </p:txBody>
+      </p:sp>
+      <p:pic>
+        <p:nvPicPr>
+          <p:cNvPr id="9" name="Picture 8">
+            <a:extLst>
+              <a:ext uri="{FF2B5EF4-FFF2-40B4-BE49-F238E27FC236}">
+                <a16:creationId xmlns:a16="http://schemas.microsoft.com/office/drawing/2014/main" id="{7D91FBA4-6B17-AC40-B447-A11B9A2B41FB}"/>
+              </a:ext>
+            </a:extLst>
+          </p:cNvPr>
+          <p:cNvPicPr>
+            <a:picLocks noChangeAspect="1"/>
+          </p:cNvPicPr>
+          <p:nvPr/>
+        </p:nvPicPr>
+        <p:blipFill>
+          <a:blip r:embed="rId2">
+            <a:extLst>
+              <a:ext uri="{28A0092B-C50C-407E-A947-70E740481C1C}">
+                <a14:useLocalDpi xmlns:a14="http://schemas.microsoft.com/office/drawing/2010/main" val="0"/>
+              </a:ext>
+            </a:extLst>
+          </a:blip>
+          <a:stretch>
+            <a:fillRect/>
+          </a:stretch>
+        </p:blipFill>
+        <p:spPr>
+          <a:xfrm>
+            <a:off x="1417585" y="2041642"/>
+            <a:ext cx="4207669" cy="2774716"/>
+          </a:xfrm>
+          <a:prstGeom prst="rect">
+            <a:avLst/>
+          </a:prstGeom>
+        </p:spPr>
+      </p:pic>
+      <p:sp>
+        <p:nvSpPr>
+          <p:cNvPr id="7" name="Date Placeholder 6"/>
+          <p:cNvSpPr>
+            <a:spLocks noGrp="1"/>
+          </p:cNvSpPr>
+          <p:nvPr>
+            <p:ph type="dt" sz="half" idx="10"/>
+          </p:nvPr>
+        </p:nvSpPr>
+        <p:spPr>
+          <a:xfrm>
+            <a:off x="752858" y="6453386"/>
+            <a:ext cx="1607944" cy="404614"/>
+          </a:xfrm>
+        </p:spPr>
+        <p:txBody>
+          <a:bodyPr vert="horz" lIns="91440" tIns="45720" rIns="91440" bIns="45720" rtlCol="0" anchor="ctr">
+            <a:normAutofit/>
+          </a:bodyPr>
+          <a:lstStyle/>
+          <a:p>
+            <a:pPr>
+              <a:spcAft>
+                <a:spcPts val="600"/>
+              </a:spcAft>
+            </a:pPr>
+            <a:r>
+              <a:rPr lang="en-US"/>
+              <a:t>4/4/2019</a:t>
+            </a:r>
+          </a:p>
+        </p:txBody>
+      </p:sp>
+      <p:sp>
+        <p:nvSpPr>
+          <p:cNvPr id="6" name="Footer Placeholder 5"/>
+          <p:cNvSpPr>
+            <a:spLocks noGrp="1"/>
+          </p:cNvSpPr>
+          <p:nvPr>
+            <p:ph type="ftr" sz="quarter" idx="11"/>
+          </p:nvPr>
+        </p:nvSpPr>
+        <p:spPr>
+          <a:xfrm>
+            <a:off x="2584054" y="6453386"/>
+            <a:ext cx="7023377" cy="404614"/>
+          </a:xfrm>
+        </p:spPr>
+        <p:txBody>
+          <a:bodyPr vert="horz" lIns="91440" tIns="45720" rIns="91440" bIns="45720" rtlCol="0" anchor="ctr">
+            <a:normAutofit/>
+          </a:bodyPr>
+          <a:lstStyle/>
+          <a:p>
+            <a:pPr algn="ctr">
+              <a:spcAft>
+                <a:spcPts val="600"/>
+              </a:spcAft>
+            </a:pPr>
+            <a:r>
+              <a:rPr lang="en-US" kern="1200" baseline="0">
+                <a:solidFill>
+                  <a:schemeClr val="tx2"/>
+                </a:solidFill>
+                <a:latin typeface="+mn-lt"/>
+                <a:ea typeface="+mn-ea"/>
+                <a:cs typeface="+mn-cs"/>
+              </a:rPr>
+              <a:t>UC Berkeley Data Analytics Boot Camp</a:t>
+            </a:r>
+          </a:p>
+        </p:txBody>
+      </p:sp>
+      <p:sp>
+        <p:nvSpPr>
+          <p:cNvPr id="8" name="Slide Number Placeholder 7"/>
+          <p:cNvSpPr>
+            <a:spLocks noGrp="1"/>
+          </p:cNvSpPr>
+          <p:nvPr>
+            <p:ph type="sldNum" sz="quarter" idx="12"/>
+          </p:nvPr>
+        </p:nvSpPr>
+        <p:spPr>
+          <a:xfrm>
+            <a:off x="9830683" y="6453386"/>
+            <a:ext cx="1596292" cy="404614"/>
+          </a:xfrm>
+        </p:spPr>
+        <p:txBody>
+          <a:bodyPr vert="horz" lIns="91440" tIns="45720" rIns="91440" bIns="45720" rtlCol="0" anchor="ctr">
+            <a:normAutofit/>
+          </a:bodyPr>
+          <a:lstStyle/>
+          <a:p>
+            <a:pPr>
+              <a:spcAft>
+                <a:spcPts val="600"/>
+              </a:spcAft>
+            </a:pPr>
+            <a:fld id="{01C2FAFE-06B9-47BB-AC14-55FCFD711C00}" type="slidenum">
+              <a:rPr lang="en-US" smtClean="0"/>
+              <a:pPr>
+                <a:spcAft>
+                  <a:spcPts val="600"/>
+                </a:spcAft>
+              </a:pPr>
+              <a:t>3</a:t>
+            </a:fld>
+            <a:endParaRPr lang="en-US"/>
+          </a:p>
+        </p:txBody>
+      </p:sp>
+    </p:spTree>
+    <p:extLst>
+      <p:ext uri="{BB962C8B-B14F-4D97-AF65-F5344CB8AC3E}">
+        <p14:creationId xmlns:p14="http://schemas.microsoft.com/office/powerpoint/2010/main" val="3010570971"/>
+      </p:ext>
+    </p:extLst>
+  </p:cSld>
+  <p:clrMapOvr>
+    <a:masterClrMapping/>
+  </p:clrMapOvr>
+  <p:timing>
+    <p:tnLst>
+      <p:par>
+        <p:cTn id="1" dur="indefinite" restart="never" nodeType="tmRoot"/>
+      </p:par>
+    </p:tnLst>
+  </p:timing>
+</p:sld>
+</file>
+
+<file path=ppt/slides/slide4.xml><?xml version="1.0" encoding="utf-8"?>
+<p:sld xmlns:a="http://schemas.openxmlformats.org/drawingml/2006/main" xmlns:r="http://schemas.openxmlformats.org/officeDocument/2006/relationships" xmlns:p="http://schemas.openxmlformats.org/presentationml/2006/main" show="0">
+  <p:cSld>
+    <p:spTree>
+      <p:nvGrpSpPr>
+        <p:cNvPr id="1" name=""/>
+        <p:cNvGrpSpPr/>
+        <p:nvPr/>
+      </p:nvGrpSpPr>
+      <p:grpSpPr>
+        <a:xfrm>
+          <a:off x="0" y="0"/>
+          <a:ext cx="0" cy="0"/>
+          <a:chOff x="0" y="0"/>
+          <a:chExt cx="0" cy="0"/>
+        </a:xfrm>
+      </p:grpSpPr>
+      <p:sp>
+        <p:nvSpPr>
+          <p:cNvPr id="2" name="Title 1"/>
+          <p:cNvSpPr>
+            <a:spLocks noGrp="1"/>
+          </p:cNvSpPr>
+          <p:nvPr>
+            <p:ph type="title"/>
+          </p:nvPr>
+        </p:nvSpPr>
         <p:spPr/>
         <p:txBody>
           <a:bodyPr/>
@@ -6791,7 +7681,7 @@
           <a:p>
             <a:fld id="{01C2FAFE-06B9-47BB-AC14-55FCFD711C00}" type="slidenum">
               <a:rPr lang="en-US" smtClean="0"/>
-              <a:t>3</a:t>
+              <a:t>4</a:t>
             </a:fld>
             <a:endParaRPr lang="en-US"/>
           </a:p>
@@ -6807,265 +7697,14 @@
   <p:clrMapOvr>
     <a:masterClrMapping/>
   </p:clrMapOvr>
-  <p:timing>
-    <p:tnLst>
-      <p:par>
-        <p:cTn id="1" dur="indefinite" restart="never" nodeType="tmRoot"/>
-      </p:par>
-    </p:tnLst>
-  </p:timing>
-</p:sld>
-</file>
-
-<file path=ppt/slides/slide4.xml><?xml version="1.0" encoding="utf-8"?>
-<p:sld xmlns:a="http://schemas.openxmlformats.org/drawingml/2006/main" xmlns:r="http://schemas.openxmlformats.org/officeDocument/2006/relationships" xmlns:p="http://schemas.openxmlformats.org/presentationml/2006/main">
-  <p:cSld>
-    <p:spTree>
-      <p:nvGrpSpPr>
-        <p:cNvPr id="1" name=""/>
-        <p:cNvGrpSpPr/>
-        <p:nvPr/>
-      </p:nvGrpSpPr>
-      <p:grpSpPr>
-        <a:xfrm>
-          <a:off x="0" y="0"/>
-          <a:ext cx="0" cy="0"/>
-          <a:chOff x="0" y="0"/>
-          <a:chExt cx="0" cy="0"/>
-        </a:xfrm>
-      </p:grpSpPr>
-      <p:sp>
-        <p:nvSpPr>
-          <p:cNvPr id="2" name="Title 1"/>
-          <p:cNvSpPr>
-            <a:spLocks noGrp="1"/>
-          </p:cNvSpPr>
-          <p:nvPr>
-            <p:ph type="title"/>
-          </p:nvPr>
-        </p:nvSpPr>
-        <p:spPr/>
-        <p:txBody>
-          <a:bodyPr/>
-          <a:lstStyle/>
-          <a:p>
-            <a:r>
-              <a:rPr lang="en-US" dirty="0"/>
-              <a:t>Questions</a:t>
-            </a:r>
-          </a:p>
-        </p:txBody>
-      </p:sp>
-      <p:sp>
-        <p:nvSpPr>
-          <p:cNvPr id="3" name="Content Placeholder 2"/>
-          <p:cNvSpPr>
-            <a:spLocks noGrp="1"/>
-          </p:cNvSpPr>
-          <p:nvPr>
-            <p:ph idx="1"/>
-          </p:nvPr>
-        </p:nvSpPr>
-        <p:spPr>
-          <a:xfrm>
-            <a:off x="1376916" y="1956391"/>
-            <a:ext cx="4795284" cy="2015245"/>
-          </a:xfrm>
-        </p:spPr>
-        <p:txBody>
-          <a:bodyPr/>
-          <a:lstStyle/>
-          <a:p>
-            <a:r>
-              <a:rPr lang="en-US" dirty="0"/>
-              <a:t>Indicators of internet presence?</a:t>
-            </a:r>
-          </a:p>
-          <a:p>
-            <a:r>
-              <a:rPr lang="en-US" dirty="0"/>
-              <a:t>Data sources?</a:t>
-            </a:r>
-          </a:p>
-          <a:p>
-            <a:r>
-              <a:rPr lang="en-US" dirty="0"/>
-              <a:t>Relationships?</a:t>
-            </a:r>
-          </a:p>
-          <a:p>
-            <a:r>
-              <a:rPr lang="en-US" dirty="0"/>
-              <a:t>Statistical model?</a:t>
-            </a:r>
-          </a:p>
-        </p:txBody>
-      </p:sp>
-      <p:pic>
-        <p:nvPicPr>
-          <p:cNvPr id="8194" name="Picture 2" descr="Related image"/>
-          <p:cNvPicPr>
-            <a:picLocks noChangeAspect="1" noChangeArrowheads="1"/>
-          </p:cNvPicPr>
-          <p:nvPr/>
-        </p:nvPicPr>
-        <p:blipFill>
-          <a:blip r:embed="rId2" cstate="print">
-            <a:extLst>
-              <a:ext uri="{28A0092B-C50C-407E-A947-70E740481C1C}">
-                <a14:useLocalDpi xmlns:a14="http://schemas.microsoft.com/office/drawing/2010/main" val="0"/>
-              </a:ext>
-            </a:extLst>
-          </a:blip>
-          <a:srcRect/>
-          <a:stretch>
-            <a:fillRect/>
-          </a:stretch>
-        </p:blipFill>
-        <p:spPr bwMode="auto">
-          <a:xfrm>
-            <a:off x="1889414" y="4111246"/>
-            <a:ext cx="4027130" cy="1648248"/>
-          </a:xfrm>
-          <a:prstGeom prst="rect">
-            <a:avLst/>
-          </a:prstGeom>
-          <a:noFill/>
-          <a:extLst>
-            <a:ext uri="{909E8E84-426E-40DD-AFC4-6F175D3DCCD1}">
-              <a14:hiddenFill xmlns:a14="http://schemas.microsoft.com/office/drawing/2010/main">
-                <a:solidFill>
-                  <a:srgbClr val="FFFFFF"/>
-                </a:solidFill>
-              </a14:hiddenFill>
-            </a:ext>
-          </a:extLst>
-        </p:spPr>
-      </p:pic>
-      <p:pic>
-        <p:nvPicPr>
-          <p:cNvPr id="8196" name="Picture 4" descr="Related image"/>
-          <p:cNvPicPr>
-            <a:picLocks noChangeAspect="1" noChangeArrowheads="1"/>
-          </p:cNvPicPr>
-          <p:nvPr/>
-        </p:nvPicPr>
-        <p:blipFill>
-          <a:blip r:embed="rId3" cstate="print">
-            <a:extLst>
-              <a:ext uri="{28A0092B-C50C-407E-A947-70E740481C1C}">
-                <a14:useLocalDpi xmlns:a14="http://schemas.microsoft.com/office/drawing/2010/main" val="0"/>
-              </a:ext>
-            </a:extLst>
-          </a:blip>
-          <a:srcRect/>
-          <a:stretch>
-            <a:fillRect/>
-          </a:stretch>
-        </p:blipFill>
-        <p:spPr bwMode="auto">
-          <a:xfrm>
-            <a:off x="6748851" y="1671706"/>
-            <a:ext cx="4320177" cy="2430099"/>
-          </a:xfrm>
-          <a:prstGeom prst="roundRect">
-            <a:avLst>
-              <a:gd name="adj" fmla="val 8594"/>
-            </a:avLst>
-          </a:prstGeom>
-          <a:solidFill>
-            <a:srgbClr val="FFFFFF">
-              <a:shade val="85000"/>
-            </a:srgbClr>
-          </a:solidFill>
-          <a:ln>
-            <a:noFill/>
-          </a:ln>
-          <a:effectLst>
-            <a:reflection blurRad="12700" stA="38000" endPos="28000" dist="5000" dir="5400000" sy="-100000" algn="bl" rotWithShape="0"/>
-          </a:effectLst>
-          <a:extLst/>
-        </p:spPr>
-      </p:pic>
-      <p:sp>
-        <p:nvSpPr>
-          <p:cNvPr id="6" name="Footer Placeholder 5"/>
-          <p:cNvSpPr>
-            <a:spLocks noGrp="1"/>
-          </p:cNvSpPr>
-          <p:nvPr>
-            <p:ph type="ftr" sz="quarter" idx="11"/>
-          </p:nvPr>
-        </p:nvSpPr>
-        <p:spPr/>
-        <p:txBody>
-          <a:bodyPr/>
-          <a:lstStyle/>
-          <a:p>
-            <a:pPr algn="ctr"/>
-            <a:r>
-              <a:rPr lang="en-US"/>
-              <a:t>UC Berkeley Data Analytics Boot Camp</a:t>
-            </a:r>
-            <a:endParaRPr lang="en-US" dirty="0"/>
-          </a:p>
-        </p:txBody>
-      </p:sp>
-      <p:sp>
-        <p:nvSpPr>
-          <p:cNvPr id="7" name="Date Placeholder 6"/>
-          <p:cNvSpPr>
-            <a:spLocks noGrp="1"/>
-          </p:cNvSpPr>
-          <p:nvPr>
-            <p:ph type="dt" sz="half" idx="10"/>
-          </p:nvPr>
-        </p:nvSpPr>
-        <p:spPr/>
-        <p:txBody>
-          <a:bodyPr/>
-          <a:lstStyle/>
-          <a:p>
-            <a:r>
-              <a:rPr lang="en-US"/>
-              <a:t>4/4/2019</a:t>
-            </a:r>
-          </a:p>
-        </p:txBody>
-      </p:sp>
-      <p:sp>
-        <p:nvSpPr>
-          <p:cNvPr id="8" name="Slide Number Placeholder 7"/>
-          <p:cNvSpPr>
-            <a:spLocks noGrp="1"/>
-          </p:cNvSpPr>
-          <p:nvPr>
-            <p:ph type="sldNum" sz="quarter" idx="12"/>
-          </p:nvPr>
-        </p:nvSpPr>
-        <p:spPr/>
-        <p:txBody>
-          <a:bodyPr/>
-          <a:lstStyle/>
-          <a:p>
-            <a:fld id="{01C2FAFE-06B9-47BB-AC14-55FCFD711C00}" type="slidenum">
-              <a:rPr lang="en-US" smtClean="0"/>
-              <a:t>4</a:t>
-            </a:fld>
-            <a:endParaRPr lang="en-US"/>
-          </a:p>
-        </p:txBody>
-      </p:sp>
-    </p:spTree>
-    <p:extLst>
-      <p:ext uri="{BB962C8B-B14F-4D97-AF65-F5344CB8AC3E}">
-        <p14:creationId xmlns:p14="http://schemas.microsoft.com/office/powerpoint/2010/main" val="4100809086"/>
-      </p:ext>
-    </p:extLst>
-  </p:cSld>
-  <p:clrMapOvr>
-    <a:masterClrMapping/>
-  </p:clrMapOvr>
+  <mc:AlternateContent xmlns:mc="http://schemas.openxmlformats.org/markup-compatibility/2006">
+    <mc:Choice xmlns:p14="http://schemas.microsoft.com/office/powerpoint/2010/main" Requires="p14">
+      <p:transition spd="slow" p14:dur="2000"/>
+    </mc:Choice>
+    <mc:Fallback>
+      <p:transition spd="slow"/>
+    </mc:Fallback>
+  </mc:AlternateContent>
   <p:timing>
     <p:tnLst>
       <p:par>
@@ -7110,7 +7749,7 @@
           <a:p>
             <a:r>
               <a:rPr lang="en-US" dirty="0"/>
-              <a:t>Internet Presence Indicators</a:t>
+              <a:t>Questions</a:t>
             </a:r>
           </a:p>
         </p:txBody>
@@ -7127,8 +7766,8 @@
         </p:nvSpPr>
         <p:spPr>
           <a:xfrm>
-            <a:off x="1371600" y="2033563"/>
-            <a:ext cx="3880884" cy="1743740"/>
+            <a:off x="1376916" y="1956391"/>
+            <a:ext cx="4795284" cy="2015245"/>
           </a:xfrm>
         </p:spPr>
         <p:txBody>
@@ -7137,33 +7776,39 @@
           <a:p>
             <a:r>
               <a:rPr lang="en-US" dirty="0"/>
-              <a:t>Search Queries Statistics</a:t>
+              <a:t>Indicators of internet presence?</a:t>
             </a:r>
           </a:p>
           <a:p>
             <a:r>
               <a:rPr lang="en-US" dirty="0"/>
-              <a:t>Twitter Posts Statistics</a:t>
+              <a:t>Data sources?</a:t>
             </a:r>
           </a:p>
           <a:p>
             <a:r>
               <a:rPr lang="en-US" dirty="0"/>
-              <a:t>Online News Statistics</a:t>
+              <a:t>Relationships?</a:t>
+            </a:r>
+          </a:p>
+          <a:p>
+            <a:r>
+              <a:rPr lang="en-US" dirty="0"/>
+              <a:t>Statistical model?</a:t>
             </a:r>
           </a:p>
         </p:txBody>
       </p:sp>
       <p:pic>
         <p:nvPicPr>
-          <p:cNvPr id="1026" name="Picture 2" descr="Related image"/>
+          <p:cNvPr id="8194" name="Picture 2" descr="Related image"/>
           <p:cNvPicPr>
             <a:picLocks noChangeAspect="1" noChangeArrowheads="1"/>
           </p:cNvPicPr>
           <p:nvPr/>
         </p:nvPicPr>
         <p:blipFill>
-          <a:blip r:embed="rId2">
+          <a:blip r:embed="rId2" cstate="print">
             <a:extLst>
               <a:ext uri="{28A0092B-C50C-407E-A947-70E740481C1C}">
                 <a14:useLocalDpi xmlns:a14="http://schemas.microsoft.com/office/drawing/2010/main" val="0"/>
@@ -7177,18 +7822,13 @@
         </p:blipFill>
         <p:spPr bwMode="auto">
           <a:xfrm>
-            <a:off x="1622368" y="4230118"/>
-            <a:ext cx="2962890" cy="1970323"/>
-          </a:xfrm>
-          <a:prstGeom prst="roundRect">
-            <a:avLst>
-              <a:gd name="adj" fmla="val 16667"/>
-            </a:avLst>
+            <a:off x="1889414" y="4111246"/>
+            <a:ext cx="4027130" cy="1648248"/>
+          </a:xfrm>
+          <a:prstGeom prst="rect">
+            <a:avLst/>
           </a:prstGeom>
-          <a:ln>
-            <a:noFill/>
-          </a:ln>
-          <a:effectLst/>
+          <a:noFill/>
           <a:extLst>
             <a:ext uri="{909E8E84-426E-40DD-AFC4-6F175D3DCCD1}">
               <a14:hiddenFill xmlns:a14="http://schemas.microsoft.com/office/drawing/2010/main">
@@ -7202,70 +7842,14 @@
       </p:pic>
       <p:pic>
         <p:nvPicPr>
-          <p:cNvPr id="1030" name="Picture 6" descr="Related image"/>
-          <p:cNvPicPr>
-            <a:picLocks noChangeAspect="1" noChangeArrowheads="1"/>
-          </p:cNvPicPr>
-          <p:nvPr/>
-        </p:nvPicPr>
-        <p:blipFill rotWithShape="1">
-          <a:blip r:embed="rId3" cstate="print">
-            <a:extLst>
-              <a:ext uri="{28A0092B-C50C-407E-A947-70E740481C1C}">
-                <a14:useLocalDpi xmlns:a14="http://schemas.microsoft.com/office/drawing/2010/main" val="0"/>
-              </a:ext>
-            </a:extLst>
-          </a:blip>
-          <a:srcRect l="7597" r="11468"/>
-          <a:stretch/>
-        </p:blipFill>
-        <p:spPr bwMode="auto">
-          <a:xfrm>
-            <a:off x="5189172" y="3192315"/>
-            <a:ext cx="2987749" cy="1932751"/>
-          </a:xfrm>
-          <a:prstGeom prst="roundRect">
-            <a:avLst>
-              <a:gd name="adj" fmla="val 16667"/>
-            </a:avLst>
-          </a:prstGeom>
-          <a:ln>
-            <a:noFill/>
-          </a:ln>
-          <a:effectLst/>
-          <a:scene3d>
-            <a:camera prst="orthographicFront"/>
-            <a:lightRig rig="contrasting" dir="t">
-              <a:rot lat="0" lon="0" rev="4200000"/>
-            </a:lightRig>
-          </a:scene3d>
-          <a:sp3d prstMaterial="plastic">
-            <a:bevelT w="381000" h="114300" prst="relaxedInset"/>
-            <a:contourClr>
-              <a:srgbClr val="969696"/>
-            </a:contourClr>
-          </a:sp3d>
-          <a:extLst>
-            <a:ext uri="{909E8E84-426E-40DD-AFC4-6F175D3DCCD1}">
-              <a14:hiddenFill xmlns:a14="http://schemas.microsoft.com/office/drawing/2010/main">
-                <a:solidFill>
-                  <a:srgbClr val="FFFFFF"/>
-                </a:solidFill>
-              </a14:hiddenFill>
-            </a:ext>
-          </a:extLst>
-        </p:spPr>
-      </p:pic>
-      <p:pic>
-        <p:nvPicPr>
-          <p:cNvPr id="1032" name="Picture 8" descr="Related image"/>
+          <p:cNvPr id="8196" name="Picture 4" descr="Related image"/>
           <p:cNvPicPr>
             <a:picLocks noChangeAspect="1" noChangeArrowheads="1"/>
           </p:cNvPicPr>
           <p:nvPr/>
         </p:nvPicPr>
         <p:blipFill>
-          <a:blip r:embed="rId4" cstate="print">
+          <a:blip r:embed="rId3" cstate="print">
             <a:extLst>
               <a:ext uri="{28A0092B-C50C-407E-A947-70E740481C1C}">
                 <a14:useLocalDpi xmlns:a14="http://schemas.microsoft.com/office/drawing/2010/main" val="0"/>
@@ -7279,39 +7863,26 @@
         </p:blipFill>
         <p:spPr bwMode="auto">
           <a:xfrm>
-            <a:off x="8780835" y="1821599"/>
-            <a:ext cx="2795879" cy="1862755"/>
+            <a:off x="6748851" y="1671706"/>
+            <a:ext cx="4320177" cy="2430099"/>
           </a:xfrm>
           <a:prstGeom prst="roundRect">
             <a:avLst>
-              <a:gd name="adj" fmla="val 16667"/>
+              <a:gd name="adj" fmla="val 8594"/>
             </a:avLst>
           </a:prstGeom>
+          <a:solidFill>
+            <a:srgbClr val="FFFFFF">
+              <a:shade val="85000"/>
+            </a:srgbClr>
+          </a:solidFill>
           <a:ln>
             <a:noFill/>
           </a:ln>
-          <a:effectLst/>
-          <a:scene3d>
-            <a:camera prst="orthographicFront"/>
-            <a:lightRig rig="contrasting" dir="t">
-              <a:rot lat="0" lon="0" rev="4200000"/>
-            </a:lightRig>
-          </a:scene3d>
-          <a:sp3d prstMaterial="plastic">
-            <a:bevelT w="381000" h="114300" prst="relaxedInset"/>
-            <a:contourClr>
-              <a:srgbClr val="969696"/>
-            </a:contourClr>
-          </a:sp3d>
-          <a:extLst>
-            <a:ext uri="{909E8E84-426E-40DD-AFC4-6F175D3DCCD1}">
-              <a14:hiddenFill xmlns:a14="http://schemas.microsoft.com/office/drawing/2010/main">
-                <a:solidFill>
-                  <a:srgbClr val="FFFFFF"/>
-                </a:solidFill>
-              </a14:hiddenFill>
-            </a:ext>
-          </a:extLst>
+          <a:effectLst>
+            <a:reflection blurRad="12700" stA="38000" endPos="28000" dist="5000" dir="5400000" sy="-100000" algn="bl" rotWithShape="0"/>
+          </a:effectLst>
+          <a:extLst/>
         </p:spPr>
       </p:pic>
       <p:sp>
@@ -7386,7 +7957,7 @@
     </p:spTree>
     <p:extLst>
       <p:ext uri="{BB962C8B-B14F-4D97-AF65-F5344CB8AC3E}">
-        <p14:creationId xmlns:p14="http://schemas.microsoft.com/office/powerpoint/2010/main" val="2685175191"/>
+        <p14:creationId xmlns:p14="http://schemas.microsoft.com/office/powerpoint/2010/main" val="4100809086"/>
       </p:ext>
     </p:extLst>
   </p:cSld>
@@ -7437,7 +8008,7 @@
           <a:p>
             <a:r>
               <a:rPr lang="en-US" dirty="0"/>
-              <a:t>Data Sources</a:t>
+              <a:t>Internet Presence Indicators</a:t>
             </a:r>
           </a:p>
         </p:txBody>
@@ -7454,82 +8025,36 @@
         </p:nvSpPr>
         <p:spPr>
           <a:xfrm>
-            <a:off x="1390650" y="2021417"/>
-            <a:ext cx="5752214" cy="4201364"/>
-          </a:xfrm>
-        </p:spPr>
-        <p:txBody>
-          <a:bodyPr>
-            <a:normAutofit/>
-          </a:bodyPr>
-          <a:lstStyle/>
-          <a:p>
-            <a:r>
-              <a:rPr lang="en-US" sz="2400" dirty="0"/>
-              <a:t>Data sources </a:t>
-            </a:r>
-          </a:p>
-          <a:p>
-            <a:pPr lvl="1"/>
-            <a:r>
-              <a:rPr lang="en-US" sz="2400" dirty="0"/>
-              <a:t>Stock Data Statistics: IEX Cloud and IEX API 1.0 </a:t>
-            </a:r>
-            <a:endParaRPr lang="en-US" sz="2400" dirty="0" smtClean="0"/>
-          </a:p>
-          <a:p>
-            <a:pPr lvl="1"/>
-            <a:r>
-              <a:rPr lang="en-US" sz="2400" dirty="0" smtClean="0"/>
-              <a:t>Search </a:t>
-            </a:r>
-            <a:r>
-              <a:rPr lang="en-US" sz="2400" dirty="0"/>
-              <a:t>Queries Statistics: </a:t>
-            </a:r>
-            <a:r>
-              <a:rPr lang="da-DK" sz="2400" dirty="0"/>
-              <a:t>Pseudo API for Google Trends </a:t>
-            </a:r>
-            <a:endParaRPr lang="da-DK" sz="2400" dirty="0" smtClean="0"/>
-          </a:p>
-          <a:p>
-            <a:pPr lvl="1"/>
-            <a:r>
-              <a:rPr lang="en-US" sz="2400" dirty="0" smtClean="0"/>
-              <a:t>Twitter </a:t>
-            </a:r>
-            <a:r>
-              <a:rPr lang="en-US" sz="2400" dirty="0"/>
-              <a:t>Posts Statistics: Twitter API </a:t>
-            </a:r>
-            <a:endParaRPr lang="en-US" sz="2400" dirty="0" smtClean="0"/>
-          </a:p>
-          <a:p>
-            <a:pPr lvl="1"/>
-            <a:r>
-              <a:rPr lang="en-US" sz="2400" dirty="0" smtClean="0"/>
-              <a:t>Online </a:t>
-            </a:r>
-            <a:r>
-              <a:rPr lang="en-US" sz="2400" dirty="0"/>
-              <a:t>News Statistics: </a:t>
-            </a:r>
-            <a:r>
-              <a:rPr lang="en-US" sz="2400" dirty="0" smtClean="0"/>
-              <a:t>News </a:t>
-            </a:r>
-            <a:r>
-              <a:rPr lang="en-US" sz="2400" dirty="0" smtClean="0"/>
-              <a:t>API</a:t>
-            </a:r>
-            <a:endParaRPr lang="en-US" sz="2400" dirty="0"/>
+            <a:off x="1371600" y="2033563"/>
+            <a:ext cx="3880884" cy="1743740"/>
+          </a:xfrm>
+        </p:spPr>
+        <p:txBody>
+          <a:bodyPr/>
+          <a:lstStyle/>
+          <a:p>
+            <a:r>
+              <a:rPr lang="en-US" dirty="0"/>
+              <a:t>Search Queries Statistics</a:t>
+            </a:r>
+          </a:p>
+          <a:p>
+            <a:r>
+              <a:rPr lang="en-US" dirty="0"/>
+              <a:t>Twitter Posts Statistics</a:t>
+            </a:r>
+          </a:p>
+          <a:p>
+            <a:r>
+              <a:rPr lang="en-US" dirty="0"/>
+              <a:t>Online News Statistics</a:t>
+            </a:r>
           </a:p>
         </p:txBody>
       </p:sp>
       <p:pic>
         <p:nvPicPr>
-          <p:cNvPr id="2050" name="Picture 2" descr="Related image"/>
+          <p:cNvPr id="1026" name="Picture 2" descr="Related image"/>
           <p:cNvPicPr>
             <a:picLocks noChangeAspect="1" noChangeArrowheads="1"/>
           </p:cNvPicPr>
@@ -7550,13 +8075,18 @@
         </p:blipFill>
         <p:spPr bwMode="auto">
           <a:xfrm>
-            <a:off x="7415034" y="1626781"/>
-            <a:ext cx="4000500" cy="4000501"/>
-          </a:xfrm>
-          <a:prstGeom prst="rect">
-            <a:avLst/>
+            <a:off x="1622368" y="4230118"/>
+            <a:ext cx="2962890" cy="1970323"/>
+          </a:xfrm>
+          <a:prstGeom prst="roundRect">
+            <a:avLst>
+              <a:gd name="adj" fmla="val 16667"/>
+            </a:avLst>
           </a:prstGeom>
-          <a:noFill/>
+          <a:ln>
+            <a:noFill/>
+          </a:ln>
+          <a:effectLst/>
           <a:extLst>
             <a:ext uri="{909E8E84-426E-40DD-AFC4-6F175D3DCCD1}">
               <a14:hiddenFill xmlns:a14="http://schemas.microsoft.com/office/drawing/2010/main">
@@ -7568,6 +8098,120 @@
           </a:extLst>
         </p:spPr>
       </p:pic>
+      <p:pic>
+        <p:nvPicPr>
+          <p:cNvPr id="1030" name="Picture 6" descr="Related image"/>
+          <p:cNvPicPr>
+            <a:picLocks noChangeAspect="1" noChangeArrowheads="1"/>
+          </p:cNvPicPr>
+          <p:nvPr/>
+        </p:nvPicPr>
+        <p:blipFill rotWithShape="1">
+          <a:blip r:embed="rId3" cstate="print">
+            <a:extLst>
+              <a:ext uri="{28A0092B-C50C-407E-A947-70E740481C1C}">
+                <a14:useLocalDpi xmlns:a14="http://schemas.microsoft.com/office/drawing/2010/main" val="0"/>
+              </a:ext>
+            </a:extLst>
+          </a:blip>
+          <a:srcRect l="7597" r="11468"/>
+          <a:stretch/>
+        </p:blipFill>
+        <p:spPr bwMode="auto">
+          <a:xfrm>
+            <a:off x="5189172" y="3192315"/>
+            <a:ext cx="2987749" cy="1932751"/>
+          </a:xfrm>
+          <a:prstGeom prst="roundRect">
+            <a:avLst>
+              <a:gd name="adj" fmla="val 16667"/>
+            </a:avLst>
+          </a:prstGeom>
+          <a:ln>
+            <a:noFill/>
+          </a:ln>
+          <a:effectLst/>
+          <a:scene3d>
+            <a:camera prst="orthographicFront"/>
+            <a:lightRig rig="contrasting" dir="t">
+              <a:rot lat="0" lon="0" rev="4200000"/>
+            </a:lightRig>
+          </a:scene3d>
+          <a:sp3d prstMaterial="plastic">
+            <a:bevelT w="381000" h="114300" prst="relaxedInset"/>
+            <a:contourClr>
+              <a:srgbClr val="969696"/>
+            </a:contourClr>
+          </a:sp3d>
+          <a:extLst>
+            <a:ext uri="{909E8E84-426E-40DD-AFC4-6F175D3DCCD1}">
+              <a14:hiddenFill xmlns:a14="http://schemas.microsoft.com/office/drawing/2010/main">
+                <a:solidFill>
+                  <a:srgbClr val="FFFFFF"/>
+                </a:solidFill>
+              </a14:hiddenFill>
+            </a:ext>
+          </a:extLst>
+        </p:spPr>
+      </p:pic>
+      <p:pic>
+        <p:nvPicPr>
+          <p:cNvPr id="1032" name="Picture 8" descr="Related image"/>
+          <p:cNvPicPr>
+            <a:picLocks noChangeAspect="1" noChangeArrowheads="1"/>
+          </p:cNvPicPr>
+          <p:nvPr/>
+        </p:nvPicPr>
+        <p:blipFill>
+          <a:blip r:embed="rId4" cstate="print">
+            <a:extLst>
+              <a:ext uri="{28A0092B-C50C-407E-A947-70E740481C1C}">
+                <a14:useLocalDpi xmlns:a14="http://schemas.microsoft.com/office/drawing/2010/main" val="0"/>
+              </a:ext>
+            </a:extLst>
+          </a:blip>
+          <a:srcRect/>
+          <a:stretch>
+            <a:fillRect/>
+          </a:stretch>
+        </p:blipFill>
+        <p:spPr bwMode="auto">
+          <a:xfrm>
+            <a:off x="8780835" y="1821599"/>
+            <a:ext cx="2795879" cy="1862755"/>
+          </a:xfrm>
+          <a:prstGeom prst="roundRect">
+            <a:avLst>
+              <a:gd name="adj" fmla="val 16667"/>
+            </a:avLst>
+          </a:prstGeom>
+          <a:ln>
+            <a:noFill/>
+          </a:ln>
+          <a:effectLst/>
+          <a:scene3d>
+            <a:camera prst="orthographicFront"/>
+            <a:lightRig rig="contrasting" dir="t">
+              <a:rot lat="0" lon="0" rev="4200000"/>
+            </a:lightRig>
+          </a:scene3d>
+          <a:sp3d prstMaterial="plastic">
+            <a:bevelT w="381000" h="114300" prst="relaxedInset"/>
+            <a:contourClr>
+              <a:srgbClr val="969696"/>
+            </a:contourClr>
+          </a:sp3d>
+          <a:extLst>
+            <a:ext uri="{909E8E84-426E-40DD-AFC4-6F175D3DCCD1}">
+              <a14:hiddenFill xmlns:a14="http://schemas.microsoft.com/office/drawing/2010/main">
+                <a:solidFill>
+                  <a:srgbClr val="FFFFFF"/>
+                </a:solidFill>
+              </a14:hiddenFill>
+            </a:ext>
+          </a:extLst>
+        </p:spPr>
+      </p:pic>
       <p:sp>
         <p:nvSpPr>
           <p:cNvPr id="6" name="Footer Placeholder 5"/>
@@ -7640,7 +8284,7 @@
     </p:spTree>
     <p:extLst>
       <p:ext uri="{BB962C8B-B14F-4D97-AF65-F5344CB8AC3E}">
-        <p14:creationId xmlns:p14="http://schemas.microsoft.com/office/powerpoint/2010/main" val="1058649851"/>
+        <p14:creationId xmlns:p14="http://schemas.microsoft.com/office/powerpoint/2010/main" val="2685175191"/>
       </p:ext>
     </p:extLst>
   </p:cSld>
@@ -7691,88 +8335,102 @@
           <a:p>
             <a:r>
               <a:rPr lang="en-US" dirty="0"/>
-              <a:t>Tools</a:t>
-            </a:r>
-          </a:p>
-        </p:txBody>
-      </p:sp>
-      <p:sp>
-        <p:nvSpPr>
-          <p:cNvPr id="4" name="Date Placeholder 3"/>
-          <p:cNvSpPr>
-            <a:spLocks noGrp="1"/>
-          </p:cNvSpPr>
-          <p:nvPr>
-            <p:ph type="dt" sz="half" idx="10"/>
-          </p:nvPr>
-        </p:nvSpPr>
-        <p:spPr/>
-        <p:txBody>
-          <a:bodyPr/>
-          <a:lstStyle/>
-          <a:p>
-            <a:r>
-              <a:rPr lang="en-US"/>
-              <a:t>4/4/2019</a:t>
-            </a:r>
-          </a:p>
-        </p:txBody>
-      </p:sp>
-      <p:sp>
-        <p:nvSpPr>
-          <p:cNvPr id="5" name="Footer Placeholder 4"/>
-          <p:cNvSpPr>
-            <a:spLocks noGrp="1"/>
-          </p:cNvSpPr>
-          <p:nvPr>
-            <p:ph type="ftr" sz="quarter" idx="11"/>
-          </p:nvPr>
-        </p:nvSpPr>
-        <p:spPr/>
-        <p:txBody>
-          <a:bodyPr/>
-          <a:lstStyle/>
-          <a:p>
-            <a:r>
-              <a:rPr lang="en-US"/>
-              <a:t>UC Berkeley Data Analytics Boot Camp</a:t>
-            </a:r>
-          </a:p>
-        </p:txBody>
-      </p:sp>
-      <p:sp>
-        <p:nvSpPr>
-          <p:cNvPr id="6" name="Slide Number Placeholder 5"/>
-          <p:cNvSpPr>
-            <a:spLocks noGrp="1"/>
-          </p:cNvSpPr>
-          <p:nvPr>
-            <p:ph type="sldNum" sz="quarter" idx="12"/>
-          </p:nvPr>
-        </p:nvSpPr>
-        <p:spPr/>
-        <p:txBody>
-          <a:bodyPr/>
-          <a:lstStyle/>
-          <a:p>
-            <a:fld id="{01C2FAFE-06B9-47BB-AC14-55FCFD711C00}" type="slidenum">
-              <a:rPr lang="en-US" smtClean="0"/>
-              <a:t>7</a:t>
-            </a:fld>
-            <a:endParaRPr lang="en-US"/>
+              <a:t>Data Sources</a:t>
+            </a:r>
+          </a:p>
+        </p:txBody>
+      </p:sp>
+      <p:sp>
+        <p:nvSpPr>
+          <p:cNvPr id="3" name="Content Placeholder 2"/>
+          <p:cNvSpPr>
+            <a:spLocks noGrp="1"/>
+          </p:cNvSpPr>
+          <p:nvPr>
+            <p:ph idx="1"/>
+          </p:nvPr>
+        </p:nvSpPr>
+        <p:spPr>
+          <a:xfrm>
+            <a:off x="1390650" y="2021417"/>
+            <a:ext cx="5752214" cy="4201364"/>
+          </a:xfrm>
+        </p:spPr>
+        <p:txBody>
+          <a:bodyPr>
+            <a:normAutofit/>
+          </a:bodyPr>
+          <a:lstStyle/>
+          <a:p>
+            <a:r>
+              <a:rPr lang="en-US" sz="2400" dirty="0"/>
+              <a:t>Data sources </a:t>
+            </a:r>
+          </a:p>
+          <a:p>
+            <a:pPr lvl="1"/>
+            <a:r>
+              <a:rPr lang="en-US" sz="2400" dirty="0"/>
+              <a:t>Stock Data Statistics: IEX Cloud and IEX API 1.0 </a:t>
+            </a:r>
+            <a:endParaRPr lang="en-US" sz="2400" dirty="0" smtClean="0"/>
+          </a:p>
+          <a:p>
+            <a:pPr lvl="1"/>
+            <a:r>
+              <a:rPr lang="en-US" sz="2400" dirty="0" smtClean="0"/>
+              <a:t>Search </a:t>
+            </a:r>
+            <a:r>
+              <a:rPr lang="en-US" sz="2400" dirty="0"/>
+              <a:t>Queries Statistics: </a:t>
+            </a:r>
+            <a:r>
+              <a:rPr lang="da-DK" sz="2400" dirty="0"/>
+              <a:t>Pseudo API for Google Trends </a:t>
+            </a:r>
+            <a:endParaRPr lang="da-DK" sz="2400" dirty="0" smtClean="0"/>
+          </a:p>
+          <a:p>
+            <a:pPr lvl="1"/>
+            <a:r>
+              <a:rPr lang="en-US" sz="2400" dirty="0" smtClean="0"/>
+              <a:t>Twitter </a:t>
+            </a:r>
+            <a:r>
+              <a:rPr lang="en-US" sz="2400" dirty="0"/>
+              <a:t>Posts Statistics: Twitter API </a:t>
+            </a:r>
+            <a:endParaRPr lang="en-US" sz="2400" dirty="0" smtClean="0"/>
+          </a:p>
+          <a:p>
+            <a:pPr lvl="1"/>
+            <a:r>
+              <a:rPr lang="en-US" sz="2400" dirty="0" smtClean="0"/>
+              <a:t>Online </a:t>
+            </a:r>
+            <a:r>
+              <a:rPr lang="en-US" sz="2400" dirty="0"/>
+              <a:t>News Statistics: </a:t>
+            </a:r>
+            <a:r>
+              <a:rPr lang="en-US" sz="2400" dirty="0" smtClean="0"/>
+              <a:t>News API</a:t>
+            </a:r>
+            <a:endParaRPr lang="en-US" sz="2400" dirty="0"/>
           </a:p>
         </p:txBody>
       </p:sp>
       <p:pic>
         <p:nvPicPr>
-          <p:cNvPr id="1026" name="Picture 2" descr="Related image"/>
+          <p:cNvPr id="2050" name="Picture 2" descr="Related image"/>
           <p:cNvPicPr>
             <a:picLocks noChangeAspect="1" noChangeArrowheads="1"/>
           </p:cNvPicPr>
           <p:nvPr/>
         </p:nvPicPr>
         <p:blipFill>
-          <a:blip r:embed="rId2" cstate="print">
+          <a:blip r:embed="rId2">
             <a:extLst>
               <a:ext uri="{28A0092B-C50C-407E-A947-70E740481C1C}">
                 <a14:useLocalDpi xmlns:a14="http://schemas.microsoft.com/office/drawing/2010/main" val="0"/>
@@ -7786,8 +8444,8 @@
         </p:blipFill>
         <p:spPr bwMode="auto">
           <a:xfrm>
-            <a:off x="1737916" y="3930371"/>
-            <a:ext cx="5901751" cy="1770526"/>
+            <a:off x="7415034" y="1626781"/>
+            <a:ext cx="4000500" cy="4000501"/>
           </a:xfrm>
           <a:prstGeom prst="rect">
             <a:avLst/>
@@ -7804,131 +8462,79 @@
           </a:extLst>
         </p:spPr>
       </p:pic>
-      <p:pic>
-        <p:nvPicPr>
-          <p:cNvPr id="1028" name="Picture 4" descr="Image result for jupyter notebook python icon"/>
-          <p:cNvPicPr>
-            <a:picLocks noChangeAspect="1" noChangeArrowheads="1"/>
-          </p:cNvPicPr>
-          <p:nvPr/>
-        </p:nvPicPr>
-        <p:blipFill>
-          <a:blip r:embed="rId3">
-            <a:extLst>
-              <a:ext uri="{28A0092B-C50C-407E-A947-70E740481C1C}">
-                <a14:useLocalDpi xmlns:a14="http://schemas.microsoft.com/office/drawing/2010/main" val="0"/>
-              </a:ext>
-            </a:extLst>
-          </a:blip>
-          <a:srcRect/>
-          <a:stretch>
-            <a:fillRect/>
-          </a:stretch>
-        </p:blipFill>
-        <p:spPr bwMode="auto">
-          <a:xfrm>
-            <a:off x="8103641" y="2367815"/>
-            <a:ext cx="2866608" cy="2866609"/>
-          </a:xfrm>
-          <a:prstGeom prst="rect">
-            <a:avLst/>
-          </a:prstGeom>
-          <a:noFill/>
-          <a:extLst>
-            <a:ext uri="{909E8E84-426E-40DD-AFC4-6F175D3DCCD1}">
-              <a14:hiddenFill xmlns:a14="http://schemas.microsoft.com/office/drawing/2010/main">
-                <a:solidFill>
-                  <a:srgbClr val="FFFFFF"/>
-                </a:solidFill>
-              </a14:hiddenFill>
-            </a:ext>
-          </a:extLst>
-        </p:spPr>
-      </p:pic>
-      <p:pic>
-        <p:nvPicPr>
-          <p:cNvPr id="1030" name="Picture 6" descr="Image result for sklearn icon"/>
-          <p:cNvPicPr>
-            <a:picLocks noChangeAspect="1" noChangeArrowheads="1"/>
-          </p:cNvPicPr>
-          <p:nvPr/>
-        </p:nvPicPr>
-        <p:blipFill>
-          <a:blip r:embed="rId4" cstate="print">
-            <a:extLst>
-              <a:ext uri="{28A0092B-C50C-407E-A947-70E740481C1C}">
-                <a14:useLocalDpi xmlns:a14="http://schemas.microsoft.com/office/drawing/2010/main" val="0"/>
-              </a:ext>
-            </a:extLst>
-          </a:blip>
-          <a:srcRect/>
-          <a:stretch>
-            <a:fillRect/>
-          </a:stretch>
-        </p:blipFill>
-        <p:spPr bwMode="auto">
-          <a:xfrm>
-            <a:off x="1737916" y="1904417"/>
-            <a:ext cx="2734623" cy="1471996"/>
-          </a:xfrm>
-          <a:prstGeom prst="rect">
-            <a:avLst/>
-          </a:prstGeom>
-          <a:noFill/>
-          <a:extLst>
-            <a:ext uri="{909E8E84-426E-40DD-AFC4-6F175D3DCCD1}">
-              <a14:hiddenFill xmlns:a14="http://schemas.microsoft.com/office/drawing/2010/main">
-                <a:solidFill>
-                  <a:srgbClr val="FFFFFF"/>
-                </a:solidFill>
-              </a14:hiddenFill>
-            </a:ext>
-          </a:extLst>
-        </p:spPr>
-      </p:pic>
-      <p:pic>
-        <p:nvPicPr>
-          <p:cNvPr id="1032" name="Picture 8" descr="Image result for API  icon"/>
-          <p:cNvPicPr>
-            <a:picLocks noChangeAspect="1" noChangeArrowheads="1"/>
-          </p:cNvPicPr>
-          <p:nvPr/>
-        </p:nvPicPr>
-        <p:blipFill rotWithShape="1">
-          <a:blip r:embed="rId5">
-            <a:extLst>
-              <a:ext uri="{28A0092B-C50C-407E-A947-70E740481C1C}">
-                <a14:useLocalDpi xmlns:a14="http://schemas.microsoft.com/office/drawing/2010/main" val="0"/>
-              </a:ext>
-            </a:extLst>
-          </a:blip>
-          <a:srcRect b="29829"/>
-          <a:stretch/>
-        </p:blipFill>
-        <p:spPr bwMode="auto">
-          <a:xfrm>
-            <a:off x="5002702" y="1299209"/>
-            <a:ext cx="2338996" cy="2297808"/>
-          </a:xfrm>
-          <a:prstGeom prst="rect">
-            <a:avLst/>
-          </a:prstGeom>
-          <a:noFill/>
-          <a:extLst>
-            <a:ext uri="{909E8E84-426E-40DD-AFC4-6F175D3DCCD1}">
-              <a14:hiddenFill xmlns:a14="http://schemas.microsoft.com/office/drawing/2010/main">
-                <a:solidFill>
-                  <a:srgbClr val="FFFFFF"/>
-                </a:solidFill>
-              </a14:hiddenFill>
-            </a:ext>
-          </a:extLst>
-        </p:spPr>
-      </p:pic>
+      <p:sp>
+        <p:nvSpPr>
+          <p:cNvPr id="6" name="Footer Placeholder 5"/>
+          <p:cNvSpPr>
+            <a:spLocks noGrp="1"/>
+          </p:cNvSpPr>
+          <p:nvPr>
+            <p:ph type="ftr" sz="quarter" idx="11"/>
+          </p:nvPr>
+        </p:nvSpPr>
+        <p:spPr/>
+        <p:txBody>
+          <a:bodyPr/>
+          <a:lstStyle/>
+          <a:p>
+            <a:pPr algn="ctr"/>
+            <a:r>
+              <a:rPr lang="en-US"/>
+              <a:t>UC Berkeley Data Analytics Boot Camp</a:t>
+            </a:r>
+            <a:endParaRPr lang="en-US" dirty="0"/>
+          </a:p>
+        </p:txBody>
+      </p:sp>
+      <p:sp>
+        <p:nvSpPr>
+          <p:cNvPr id="7" name="Date Placeholder 6"/>
+          <p:cNvSpPr>
+            <a:spLocks noGrp="1"/>
+          </p:cNvSpPr>
+          <p:nvPr>
+            <p:ph type="dt" sz="half" idx="10"/>
+          </p:nvPr>
+        </p:nvSpPr>
+        <p:spPr/>
+        <p:txBody>
+          <a:bodyPr/>
+          <a:lstStyle/>
+          <a:p>
+            <a:r>
+              <a:rPr lang="en-US"/>
+              <a:t>4/4/2019</a:t>
+            </a:r>
+          </a:p>
+        </p:txBody>
+      </p:sp>
+      <p:sp>
+        <p:nvSpPr>
+          <p:cNvPr id="8" name="Slide Number Placeholder 7"/>
+          <p:cNvSpPr>
+            <a:spLocks noGrp="1"/>
+          </p:cNvSpPr>
+          <p:nvPr>
+            <p:ph type="sldNum" sz="quarter" idx="12"/>
+          </p:nvPr>
+        </p:nvSpPr>
+        <p:spPr/>
+        <p:txBody>
+          <a:bodyPr/>
+          <a:lstStyle/>
+          <a:p>
+            <a:fld id="{01C2FAFE-06B9-47BB-AC14-55FCFD711C00}" type="slidenum">
+              <a:rPr lang="en-US" smtClean="0"/>
+              <a:t>7</a:t>
+            </a:fld>
+            <a:endParaRPr lang="en-US"/>
+          </a:p>
+        </p:txBody>
+      </p:sp>
     </p:spTree>
     <p:extLst>
       <p:ext uri="{BB962C8B-B14F-4D97-AF65-F5344CB8AC3E}">
-        <p14:creationId xmlns:p14="http://schemas.microsoft.com/office/powerpoint/2010/main" val="948533253"/>
+        <p14:creationId xmlns:p14="http://schemas.microsoft.com/office/powerpoint/2010/main" val="1058649851"/>
       </p:ext>
     </p:extLst>
   </p:cSld>
@@ -7972,140 +8578,40 @@
             <p:ph type="title"/>
           </p:nvPr>
         </p:nvSpPr>
-        <p:spPr/>
-        <p:txBody>
-          <a:bodyPr/>
+        <p:spPr>
+          <a:xfrm>
+            <a:off x="5100824" y="685800"/>
+            <a:ext cx="6176776" cy="1485900"/>
+          </a:xfrm>
+        </p:spPr>
+        <p:txBody>
+          <a:bodyPr>
+            <a:normAutofit/>
+          </a:bodyPr>
           <a:lstStyle/>
           <a:p>
             <a:r>
               <a:rPr lang="en-US" dirty="0"/>
-              <a:t>Data Retrieving</a:t>
-            </a:r>
-          </a:p>
-        </p:txBody>
-      </p:sp>
-      <p:sp>
-        <p:nvSpPr>
-          <p:cNvPr id="3" name="Content Placeholder 2"/>
-          <p:cNvSpPr>
-            <a:spLocks noGrp="1"/>
-          </p:cNvSpPr>
-          <p:nvPr>
-            <p:ph idx="1"/>
-          </p:nvPr>
-        </p:nvSpPr>
-        <p:spPr>
-          <a:xfrm>
-            <a:off x="1430081" y="1930051"/>
-            <a:ext cx="4603898" cy="3581400"/>
-          </a:xfrm>
-        </p:spPr>
-        <p:txBody>
-          <a:bodyPr>
-            <a:normAutofit fontScale="92500" lnSpcReduction="20000"/>
-          </a:bodyPr>
-          <a:lstStyle/>
-          <a:p>
-            <a:r>
-              <a:rPr lang="en-US" dirty="0"/>
-              <a:t>Twitter : </a:t>
-            </a:r>
-            <a:endParaRPr lang="en-US" dirty="0" smtClean="0"/>
-          </a:p>
-          <a:p>
-            <a:pPr lvl="1"/>
-            <a:r>
-              <a:rPr lang="en-US" dirty="0" smtClean="0"/>
-              <a:t>Various </a:t>
-            </a:r>
-            <a:r>
-              <a:rPr lang="en-US" dirty="0"/>
-              <a:t>Twitter API’s and python </a:t>
-            </a:r>
-            <a:r>
-              <a:rPr lang="en-US" dirty="0" smtClean="0"/>
-              <a:t>libraries </a:t>
-            </a:r>
-            <a:r>
-              <a:rPr lang="en-US" dirty="0"/>
-              <a:t>“</a:t>
-            </a:r>
-            <a:r>
-              <a:rPr lang="en-US" dirty="0" err="1"/>
-              <a:t>tweepy</a:t>
-            </a:r>
-            <a:r>
-              <a:rPr lang="en-US" dirty="0"/>
-              <a:t>” </a:t>
-            </a:r>
-            <a:endParaRPr lang="en-US" dirty="0" smtClean="0"/>
-          </a:p>
-          <a:p>
-            <a:pPr lvl="1"/>
-            <a:r>
-              <a:rPr lang="en-US" dirty="0" smtClean="0"/>
-              <a:t>Careful </a:t>
-            </a:r>
-            <a:r>
-              <a:rPr lang="en-US" dirty="0"/>
-              <a:t>consideration on which tweet accounts to monitor</a:t>
-            </a:r>
-          </a:p>
-          <a:p>
-            <a:r>
-              <a:rPr lang="en-US" dirty="0" smtClean="0"/>
-              <a:t>News:</a:t>
-            </a:r>
-          </a:p>
-          <a:p>
-            <a:pPr lvl="1"/>
-            <a:r>
-              <a:rPr lang="en-US" dirty="0" smtClean="0"/>
-              <a:t>stocknewsapi.com </a:t>
-            </a:r>
-            <a:r>
-              <a:rPr lang="en-US" dirty="0"/>
-              <a:t>and newsapi.org</a:t>
-            </a:r>
-          </a:p>
-          <a:p>
-            <a:r>
-              <a:rPr lang="en-US" dirty="0" smtClean="0"/>
-              <a:t>Stocks:</a:t>
-            </a:r>
-          </a:p>
-          <a:p>
-            <a:pPr lvl="1"/>
-            <a:r>
-              <a:rPr lang="en-US" dirty="0" smtClean="0"/>
-              <a:t>IEX API</a:t>
-            </a:r>
-          </a:p>
-          <a:p>
-            <a:r>
-              <a:rPr lang="en-US" dirty="0" smtClean="0"/>
-              <a:t>Google Trends:</a:t>
-            </a:r>
-          </a:p>
-          <a:p>
-            <a:pPr lvl="1"/>
-            <a:r>
-              <a:rPr lang="en-US" dirty="0" smtClean="0"/>
-              <a:t>Pseudo API</a:t>
-            </a:r>
-            <a:endParaRPr lang="en-US" dirty="0"/>
+              <a:t>Data Sources</a:t>
+            </a:r>
           </a:p>
         </p:txBody>
       </p:sp>
       <p:pic>
         <p:nvPicPr>
-          <p:cNvPr id="3074" name="Picture 2" descr="Related image"/>
+          <p:cNvPr id="10" name="Picture 9" descr="A group of people posing for the camera&#10;&#10;Description automatically generated">
+            <a:extLst>
+              <a:ext uri="{FF2B5EF4-FFF2-40B4-BE49-F238E27FC236}">
+                <a16:creationId xmlns:a16="http://schemas.microsoft.com/office/drawing/2014/main" id="{847E6F26-33F5-BF48-9651-42E5D4C6A61B}"/>
+              </a:ext>
+            </a:extLst>
+          </p:cNvPr>
           <p:cNvPicPr>
-            <a:picLocks noChangeAspect="1" noChangeArrowheads="1"/>
+            <a:picLocks noChangeAspect="1"/>
           </p:cNvPicPr>
           <p:nvPr/>
         </p:nvPicPr>
-        <p:blipFill>
+        <p:blipFill rotWithShape="1">
           <a:blip r:embed="rId2">
             <a:extLst>
               <a:ext uri="{28A0092B-C50C-407E-A947-70E740481C1C}">
@@ -8113,39 +8619,223 @@
               </a:ext>
             </a:extLst>
           </a:blip>
-          <a:srcRect/>
-          <a:stretch>
-            <a:fillRect/>
-          </a:stretch>
+          <a:srcRect t="20337" r="1896" b="20338"/>
+          <a:stretch/>
         </p:blipFill>
-        <p:spPr bwMode="auto">
-          <a:xfrm>
-            <a:off x="6389093" y="2371094"/>
-            <a:ext cx="5137727" cy="2699314"/>
-          </a:xfrm>
-          <a:prstGeom prst="roundRect">
-            <a:avLst>
-              <a:gd name="adj" fmla="val 8594"/>
-            </a:avLst>
+        <p:spPr>
+          <a:xfrm>
+            <a:off x="4062" y="1704977"/>
+            <a:ext cx="4355502" cy="1728019"/>
+          </a:xfrm>
+          <a:prstGeom prst="rect">
+            <a:avLst/>
           </a:prstGeom>
-          <a:solidFill>
-            <a:srgbClr val="FFFFFF">
-              <a:shade val="85000"/>
-            </a:srgbClr>
-          </a:solidFill>
-          <a:ln>
-            <a:noFill/>
-          </a:ln>
-          <a:effectLst>
-            <a:outerShdw blurRad="50800" dist="38100" dir="2700000" algn="tl" rotWithShape="0">
-              <a:prstClr val="black">
-                <a:alpha val="40000"/>
-              </a:prstClr>
-            </a:outerShdw>
-          </a:effectLst>
-          <a:extLst/>
         </p:spPr>
       </p:pic>
+      <p:pic>
+        <p:nvPicPr>
+          <p:cNvPr id="14" name="Picture 13" descr="A screen shot of a person&#10;&#10;Description automatically generated">
+            <a:extLst>
+              <a:ext uri="{FF2B5EF4-FFF2-40B4-BE49-F238E27FC236}">
+                <a16:creationId xmlns:a16="http://schemas.microsoft.com/office/drawing/2014/main" id="{B54A46C1-63AB-3C4B-B9C4-7DCC21BC1E37}"/>
+              </a:ext>
+            </a:extLst>
+          </p:cNvPr>
+          <p:cNvPicPr>
+            <a:picLocks noChangeAspect="1"/>
+          </p:cNvPicPr>
+          <p:nvPr/>
+        </p:nvPicPr>
+        <p:blipFill rotWithShape="1">
+          <a:blip r:embed="rId3">
+            <a:extLst>
+              <a:ext uri="{28A0092B-C50C-407E-A947-70E740481C1C}">
+                <a14:useLocalDpi xmlns:a14="http://schemas.microsoft.com/office/drawing/2010/main" val="0"/>
+              </a:ext>
+            </a:extLst>
+          </a:blip>
+          <a:srcRect t="6432" r="1" b="23054"/>
+          <a:stretch/>
+        </p:blipFill>
+        <p:spPr>
+          <a:xfrm>
+            <a:off x="-2" y="10"/>
+            <a:ext cx="4379976" cy="1714112"/>
+          </a:xfrm>
+          <a:prstGeom prst="rect">
+            <a:avLst/>
+          </a:prstGeom>
+        </p:spPr>
+      </p:pic>
+      <p:pic>
+        <p:nvPicPr>
+          <p:cNvPr id="5" name="Picture 4" descr="A picture containing person, outdoor&#10;&#10;Description automatically generated">
+            <a:extLst>
+              <a:ext uri="{FF2B5EF4-FFF2-40B4-BE49-F238E27FC236}">
+                <a16:creationId xmlns:a16="http://schemas.microsoft.com/office/drawing/2014/main" id="{8019A5E5-48A7-0143-ADD8-DB1BF940B197}"/>
+              </a:ext>
+            </a:extLst>
+          </p:cNvPr>
+          <p:cNvPicPr>
+            <a:picLocks noChangeAspect="1"/>
+          </p:cNvPicPr>
+          <p:nvPr/>
+        </p:nvPicPr>
+        <p:blipFill rotWithShape="1">
+          <a:blip r:embed="rId4">
+            <a:extLst>
+              <a:ext uri="{28A0092B-C50C-407E-A947-70E740481C1C}">
+                <a14:useLocalDpi xmlns:a14="http://schemas.microsoft.com/office/drawing/2010/main" val="0"/>
+              </a:ext>
+            </a:extLst>
+          </a:blip>
+          <a:srcRect t="11924" r="-3" b="32154"/>
+          <a:stretch/>
+        </p:blipFill>
+        <p:spPr>
+          <a:xfrm>
+            <a:off x="20" y="5143499"/>
+            <a:ext cx="4379954" cy="1714501"/>
+          </a:xfrm>
+          <a:prstGeom prst="rect">
+            <a:avLst/>
+          </a:prstGeom>
+        </p:spPr>
+      </p:pic>
+      <p:pic>
+        <p:nvPicPr>
+          <p:cNvPr id="12" name="Picture 11">
+            <a:extLst>
+              <a:ext uri="{FF2B5EF4-FFF2-40B4-BE49-F238E27FC236}">
+                <a16:creationId xmlns:a16="http://schemas.microsoft.com/office/drawing/2014/main" id="{2AA67BDC-9575-ED41-A48C-A59053B9466D}"/>
+              </a:ext>
+            </a:extLst>
+          </p:cNvPr>
+          <p:cNvPicPr>
+            <a:picLocks noChangeAspect="1"/>
+          </p:cNvPicPr>
+          <p:nvPr/>
+        </p:nvPicPr>
+        <p:blipFill rotWithShape="1">
+          <a:blip r:embed="rId5">
+            <a:extLst>
+              <a:ext uri="{28A0092B-C50C-407E-A947-70E740481C1C}">
+                <a14:useLocalDpi xmlns:a14="http://schemas.microsoft.com/office/drawing/2010/main" val="0"/>
+              </a:ext>
+            </a:extLst>
+          </a:blip>
+          <a:srcRect l="1" t="33514" r="1308" b="11043"/>
+          <a:stretch/>
+        </p:blipFill>
+        <p:spPr>
+          <a:xfrm>
+            <a:off x="20" y="3423851"/>
+            <a:ext cx="4379954" cy="1728793"/>
+          </a:xfrm>
+          <a:prstGeom prst="rect">
+            <a:avLst/>
+          </a:prstGeom>
+        </p:spPr>
+      </p:pic>
+      <p:sp>
+        <p:nvSpPr>
+          <p:cNvPr id="3" name="Content Placeholder 2"/>
+          <p:cNvSpPr>
+            <a:spLocks noGrp="1"/>
+          </p:cNvSpPr>
+          <p:nvPr>
+            <p:ph idx="1"/>
+          </p:nvPr>
+        </p:nvSpPr>
+        <p:spPr>
+          <a:xfrm>
+            <a:off x="5100824" y="2286000"/>
+            <a:ext cx="6176776" cy="3581400"/>
+          </a:xfrm>
+        </p:spPr>
+        <p:txBody>
+          <a:bodyPr>
+            <a:normAutofit/>
+          </a:bodyPr>
+          <a:lstStyle/>
+          <a:p>
+            <a:r>
+              <a:rPr lang="en-US"/>
+              <a:t>Data sources </a:t>
+            </a:r>
+          </a:p>
+          <a:p>
+            <a:pPr lvl="1"/>
+            <a:r>
+              <a:rPr lang="en-US"/>
+              <a:t>Stock Data Statistics: IEX Cloud and IEX API 1.0 </a:t>
+            </a:r>
+          </a:p>
+          <a:p>
+            <a:pPr lvl="1"/>
+            <a:r>
+              <a:rPr lang="en-US"/>
+              <a:t>Search Queries Statistics: </a:t>
+            </a:r>
+            <a:r>
+              <a:rPr lang="da-DK"/>
+              <a:t>Pseudo API for Google Trends </a:t>
+            </a:r>
+          </a:p>
+          <a:p>
+            <a:pPr lvl="1"/>
+            <a:r>
+              <a:rPr lang="en-US"/>
+              <a:t>Twitter Posts Statistics: Twitter API </a:t>
+            </a:r>
+          </a:p>
+          <a:p>
+            <a:pPr lvl="1"/>
+            <a:r>
+              <a:rPr lang="en-US"/>
+              <a:t>Online News Statistics: News API</a:t>
+            </a:r>
+          </a:p>
+        </p:txBody>
+      </p:sp>
+      <p:sp>
+        <p:nvSpPr>
+          <p:cNvPr id="7" name="Date Placeholder 6"/>
+          <p:cNvSpPr>
+            <a:spLocks noGrp="1"/>
+          </p:cNvSpPr>
+          <p:nvPr>
+            <p:ph type="dt" sz="half" idx="10"/>
+          </p:nvPr>
+        </p:nvSpPr>
+        <p:spPr>
+          <a:xfrm>
+            <a:off x="1390650" y="6453386"/>
+            <a:ext cx="1204572" cy="404614"/>
+          </a:xfrm>
+        </p:spPr>
+        <p:txBody>
+          <a:bodyPr>
+            <a:normAutofit/>
+          </a:bodyPr>
+          <a:lstStyle/>
+          <a:p>
+            <a:pPr>
+              <a:spcAft>
+                <a:spcPts val="600"/>
+              </a:spcAft>
+            </a:pPr>
+            <a:r>
+              <a:rPr lang="en-US">
+                <a:solidFill>
+                  <a:srgbClr val="FFFFFF"/>
+                </a:solidFill>
+              </a:rPr>
+              <a:t>4/4/2019</a:t>
+            </a:r>
+          </a:p>
+        </p:txBody>
+      </p:sp>
       <p:sp>
         <p:nvSpPr>
           <p:cNvPr id="6" name="Footer Placeholder 5"/>
@@ -8156,39 +8846,27 @@
             <p:ph type="ftr" sz="quarter" idx="11"/>
           </p:nvPr>
         </p:nvSpPr>
-        <p:spPr/>
-        <p:txBody>
-          <a:bodyPr/>
-          <a:lstStyle/>
-          <a:p>
-            <a:pPr algn="ctr"/>
+        <p:spPr>
+          <a:xfrm>
+            <a:off x="5100824" y="6453386"/>
+            <a:ext cx="4073570" cy="404614"/>
+          </a:xfrm>
+        </p:spPr>
+        <p:txBody>
+          <a:bodyPr>
+            <a:normAutofit/>
+          </a:bodyPr>
+          <a:lstStyle/>
+          <a:p>
+            <a:pPr>
+              <a:spcAft>
+                <a:spcPts val="600"/>
+              </a:spcAft>
+            </a:pPr>
             <a:r>
               <a:rPr lang="en-US"/>
               <a:t>UC Berkeley Data Analytics Boot Camp</a:t>
             </a:r>
-            <a:endParaRPr lang="en-US" dirty="0"/>
-          </a:p>
-        </p:txBody>
-      </p:sp>
-      <p:sp>
-        <p:nvSpPr>
-          <p:cNvPr id="7" name="Date Placeholder 6"/>
-          <p:cNvSpPr>
-            <a:spLocks noGrp="1"/>
-          </p:cNvSpPr>
-          <p:nvPr>
-            <p:ph type="dt" sz="half" idx="10"/>
-          </p:nvPr>
-        </p:nvSpPr>
-        <p:spPr/>
-        <p:txBody>
-          <a:bodyPr/>
-          <a:lstStyle/>
-          <a:p>
-            <a:r>
-              <a:rPr lang="en-US"/>
-              <a:t>4/4/2019</a:t>
-            </a:r>
           </a:p>
         </p:txBody>
       </p:sp>
@@ -8202,13 +8880,30 @@
             <p:ph type="sldNum" sz="quarter" idx="12"/>
           </p:nvPr>
         </p:nvSpPr>
-        <p:spPr/>
-        <p:txBody>
-          <a:bodyPr/>
-          <a:lstStyle/>
-          <a:p>
+        <p:spPr>
+          <a:xfrm>
+            <a:off x="9472736" y="6453386"/>
+            <a:ext cx="1596292" cy="404614"/>
+          </a:xfrm>
+        </p:spPr>
+        <p:txBody>
+          <a:bodyPr>
+            <a:normAutofit/>
+          </a:bodyPr>
+          <a:lstStyle/>
+          <a:p>
+            <a:pPr>
+              <a:spcAft>
+                <a:spcPts val="600"/>
+              </a:spcAft>
+            </a:pPr>
             <a:fld id="{01C2FAFE-06B9-47BB-AC14-55FCFD711C00}" type="slidenum">
-              <a:rPr lang="en-US" smtClean="0"/>
+              <a:rPr lang="en-US"/>
+              <a:pPr>
+                <a:spcAft>
+                  <a:spcPts val="600"/>
+                </a:spcAft>
+              </a:pPr>
               <a:t>8</a:t>
             </a:fld>
             <a:endParaRPr lang="en-US"/>
@@ -8218,7 +8913,7 @@
     </p:spTree>
     <p:extLst>
       <p:ext uri="{BB962C8B-B14F-4D97-AF65-F5344CB8AC3E}">
-        <p14:creationId xmlns:p14="http://schemas.microsoft.com/office/powerpoint/2010/main" val="592763966"/>
+        <p14:creationId xmlns:p14="http://schemas.microsoft.com/office/powerpoint/2010/main" val="1831981255"/>
       </p:ext>
     </p:extLst>
   </p:cSld>
@@ -8269,98 +8964,88 @@
           <a:p>
             <a:r>
               <a:rPr lang="en-US" dirty="0"/>
-              <a:t>Data Cleaning Process</a:t>
-            </a:r>
-          </a:p>
-        </p:txBody>
-      </p:sp>
-      <p:sp>
-        <p:nvSpPr>
-          <p:cNvPr id="3" name="Content Placeholder 2"/>
-          <p:cNvSpPr>
-            <a:spLocks noGrp="1"/>
-          </p:cNvSpPr>
-          <p:nvPr>
-            <p:ph idx="1"/>
-          </p:nvPr>
-        </p:nvSpPr>
-        <p:spPr>
-          <a:xfrm>
-            <a:off x="1589567" y="1980314"/>
-            <a:ext cx="4582633" cy="3581400"/>
-          </a:xfrm>
-        </p:spPr>
-        <p:txBody>
-          <a:bodyPr>
-            <a:normAutofit fontScale="92500" lnSpcReduction="20000"/>
-          </a:bodyPr>
-          <a:lstStyle/>
-          <a:p>
-            <a:r>
-              <a:rPr lang="en-US" dirty="0"/>
-              <a:t>Tweets and news are not on regular intervals for a particular stock</a:t>
-            </a:r>
-          </a:p>
-          <a:p>
-            <a:r>
-              <a:rPr lang="en-US" dirty="0"/>
-              <a:t>After performing sentimental analysis on tweets we had to merge results of sentiments by grouping them based on the dates</a:t>
-            </a:r>
-          </a:p>
-          <a:p>
-            <a:r>
-              <a:rPr lang="en-US" dirty="0"/>
-              <a:t>Merging the data from Twitter, </a:t>
-            </a:r>
-            <a:r>
-              <a:rPr lang="en-US" dirty="0" smtClean="0"/>
-              <a:t>multiple </a:t>
-            </a:r>
-            <a:r>
-              <a:rPr lang="en-US" dirty="0"/>
-              <a:t>news API’s and Google </a:t>
-            </a:r>
-            <a:r>
-              <a:rPr lang="en-US" dirty="0" smtClean="0"/>
-              <a:t>Trends </a:t>
-            </a:r>
-            <a:r>
-              <a:rPr lang="en-US" dirty="0"/>
-              <a:t>based on date</a:t>
-            </a:r>
-          </a:p>
-          <a:p>
-            <a:r>
-              <a:rPr lang="en-US" dirty="0"/>
-              <a:t>Comparing the data merged data with stock </a:t>
-            </a:r>
-            <a:r>
-              <a:rPr lang="en-US" dirty="0" smtClean="0"/>
-              <a:t>prices</a:t>
-            </a:r>
-            <a:endParaRPr lang="en-US" dirty="0"/>
-          </a:p>
-          <a:p>
-            <a:r>
-              <a:rPr lang="en-US" dirty="0"/>
-              <a:t>We had to consider the fact that Tweets &amp; News might have bias in the data</a:t>
-            </a:r>
-          </a:p>
-          <a:p>
-            <a:endParaRPr lang="en-US" dirty="0"/>
+              <a:t>Tools</a:t>
+            </a:r>
+          </a:p>
+        </p:txBody>
+      </p:sp>
+      <p:sp>
+        <p:nvSpPr>
+          <p:cNvPr id="4" name="Date Placeholder 3"/>
+          <p:cNvSpPr>
+            <a:spLocks noGrp="1"/>
+          </p:cNvSpPr>
+          <p:nvPr>
+            <p:ph type="dt" sz="half" idx="10"/>
+          </p:nvPr>
+        </p:nvSpPr>
+        <p:spPr/>
+        <p:txBody>
+          <a:bodyPr/>
+          <a:lstStyle/>
+          <a:p>
+            <a:r>
+              <a:rPr lang="en-US"/>
+              <a:t>4/4/2019</a:t>
+            </a:r>
+          </a:p>
+        </p:txBody>
+      </p:sp>
+      <p:sp>
+        <p:nvSpPr>
+          <p:cNvPr id="5" name="Footer Placeholder 4"/>
+          <p:cNvSpPr>
+            <a:spLocks noGrp="1"/>
+          </p:cNvSpPr>
+          <p:nvPr>
+            <p:ph type="ftr" sz="quarter" idx="11"/>
+          </p:nvPr>
+        </p:nvSpPr>
+        <p:spPr/>
+        <p:txBody>
+          <a:bodyPr/>
+          <a:lstStyle/>
+          <a:p>
+            <a:r>
+              <a:rPr lang="en-US"/>
+              <a:t>UC Berkeley Data Analytics Boot Camp</a:t>
+            </a:r>
+          </a:p>
+        </p:txBody>
+      </p:sp>
+      <p:sp>
+        <p:nvSpPr>
+          <p:cNvPr id="6" name="Slide Number Placeholder 5"/>
+          <p:cNvSpPr>
+            <a:spLocks noGrp="1"/>
+          </p:cNvSpPr>
+          <p:nvPr>
+            <p:ph type="sldNum" sz="quarter" idx="12"/>
+          </p:nvPr>
+        </p:nvSpPr>
+        <p:spPr/>
+        <p:txBody>
+          <a:bodyPr/>
+          <a:lstStyle/>
+          <a:p>
+            <a:fld id="{01C2FAFE-06B9-47BB-AC14-55FCFD711C00}" type="slidenum">
+              <a:rPr lang="en-US" smtClean="0"/>
+              <a:t>9</a:t>
+            </a:fld>
+            <a:endParaRPr lang="en-US"/>
           </a:p>
         </p:txBody>
       </p:sp>
       <p:pic>
         <p:nvPicPr>
-          <p:cNvPr id="4098" name="Picture 2" descr="Related image"/>
+          <p:cNvPr id="1026" name="Picture 2" descr="Related image"/>
           <p:cNvPicPr>
             <a:picLocks noChangeAspect="1" noChangeArrowheads="1"/>
           </p:cNvPicPr>
           <p:nvPr/>
         </p:nvPicPr>
         <p:blipFill>
-          <a:blip r:embed="rId2">
+          <a:blip r:embed="rId2" cstate="print">
             <a:extLst>
               <a:ext uri="{28A0092B-C50C-407E-A947-70E740481C1C}">
                 <a14:useLocalDpi xmlns:a14="http://schemas.microsoft.com/office/drawing/2010/main" val="0"/>
@@ -8374,100 +9059,149 @@
         </p:blipFill>
         <p:spPr bwMode="auto">
           <a:xfrm>
-            <a:off x="6746150" y="1980314"/>
-            <a:ext cx="4762500" cy="3371851"/>
-          </a:xfrm>
-          <a:prstGeom prst="roundRect">
-            <a:avLst>
-              <a:gd name="adj" fmla="val 8594"/>
-            </a:avLst>
+            <a:off x="1737916" y="3930371"/>
+            <a:ext cx="5901751" cy="1770526"/>
+          </a:xfrm>
+          <a:prstGeom prst="rect">
+            <a:avLst/>
           </a:prstGeom>
-          <a:solidFill>
-            <a:srgbClr val="FFFFFF">
-              <a:shade val="85000"/>
-            </a:srgbClr>
-          </a:solidFill>
-          <a:ln>
-            <a:noFill/>
-          </a:ln>
-          <a:effectLst>
-            <a:reflection blurRad="12700" stA="38000" endPos="28000" dist="5000" dir="5400000" sy="-100000" algn="bl" rotWithShape="0"/>
-          </a:effectLst>
-          <a:extLst/>
+          <a:noFill/>
+          <a:extLst>
+            <a:ext uri="{909E8E84-426E-40DD-AFC4-6F175D3DCCD1}">
+              <a14:hiddenFill xmlns:a14="http://schemas.microsoft.com/office/drawing/2010/main">
+                <a:solidFill>
+                  <a:srgbClr val="FFFFFF"/>
+                </a:solidFill>
+              </a14:hiddenFill>
+            </a:ext>
+          </a:extLst>
         </p:spPr>
       </p:pic>
-      <p:sp>
-        <p:nvSpPr>
-          <p:cNvPr id="6" name="Footer Placeholder 5"/>
-          <p:cNvSpPr>
-            <a:spLocks noGrp="1"/>
-          </p:cNvSpPr>
-          <p:nvPr>
-            <p:ph type="ftr" sz="quarter" idx="11"/>
-          </p:nvPr>
-        </p:nvSpPr>
-        <p:spPr/>
-        <p:txBody>
-          <a:bodyPr/>
-          <a:lstStyle/>
-          <a:p>
-            <a:pPr algn="ctr"/>
-            <a:r>
-              <a:rPr lang="en-US"/>
-              <a:t>UC Berkeley Data Analytics Boot Camp</a:t>
-            </a:r>
-          </a:p>
-        </p:txBody>
-      </p:sp>
-      <p:sp>
-        <p:nvSpPr>
-          <p:cNvPr id="7" name="Date Placeholder 6"/>
-          <p:cNvSpPr>
-            <a:spLocks noGrp="1"/>
-          </p:cNvSpPr>
-          <p:nvPr>
-            <p:ph type="dt" sz="half" idx="10"/>
-          </p:nvPr>
-        </p:nvSpPr>
-        <p:spPr/>
-        <p:txBody>
-          <a:bodyPr/>
-          <a:lstStyle/>
-          <a:p>
-            <a:r>
-              <a:rPr lang="en-US"/>
-              <a:t>4/4/2019</a:t>
-            </a:r>
-          </a:p>
-        </p:txBody>
-      </p:sp>
-      <p:sp>
-        <p:nvSpPr>
-          <p:cNvPr id="8" name="Slide Number Placeholder 7"/>
-          <p:cNvSpPr>
-            <a:spLocks noGrp="1"/>
-          </p:cNvSpPr>
-          <p:nvPr>
-            <p:ph type="sldNum" sz="quarter" idx="12"/>
-          </p:nvPr>
-        </p:nvSpPr>
-        <p:spPr/>
-        <p:txBody>
-          <a:bodyPr/>
-          <a:lstStyle/>
-          <a:p>
-            <a:fld id="{01C2FAFE-06B9-47BB-AC14-55FCFD711C00}" type="slidenum">
-              <a:rPr lang="en-US" smtClean="0"/>
-              <a:t>9</a:t>
-            </a:fld>
-            <a:endParaRPr lang="en-US"/>
-          </a:p>
-        </p:txBody>
-      </p:sp>
+      <p:pic>
+        <p:nvPicPr>
+          <p:cNvPr id="1028" name="Picture 4" descr="Image result for jupyter notebook python icon"/>
+          <p:cNvPicPr>
+            <a:picLocks noChangeAspect="1" noChangeArrowheads="1"/>
+          </p:cNvPicPr>
+          <p:nvPr/>
+        </p:nvPicPr>
+        <p:blipFill>
+          <a:blip r:embed="rId3">
+            <a:extLst>
+              <a:ext uri="{28A0092B-C50C-407E-A947-70E740481C1C}">
+                <a14:useLocalDpi xmlns:a14="http://schemas.microsoft.com/office/drawing/2010/main" val="0"/>
+              </a:ext>
+            </a:extLst>
+          </a:blip>
+          <a:srcRect/>
+          <a:stretch>
+            <a:fillRect/>
+          </a:stretch>
+        </p:blipFill>
+        <p:spPr bwMode="auto">
+          <a:xfrm>
+            <a:off x="8103641" y="2367815"/>
+            <a:ext cx="2866608" cy="2866609"/>
+          </a:xfrm>
+          <a:prstGeom prst="rect">
+            <a:avLst/>
+          </a:prstGeom>
+          <a:noFill/>
+          <a:extLst>
+            <a:ext uri="{909E8E84-426E-40DD-AFC4-6F175D3DCCD1}">
+              <a14:hiddenFill xmlns:a14="http://schemas.microsoft.com/office/drawing/2010/main">
+                <a:solidFill>
+                  <a:srgbClr val="FFFFFF"/>
+                </a:solidFill>
+              </a14:hiddenFill>
+            </a:ext>
+          </a:extLst>
+        </p:spPr>
+      </p:pic>
+      <p:pic>
+        <p:nvPicPr>
+          <p:cNvPr id="1030" name="Picture 6" descr="Image result for sklearn icon"/>
+          <p:cNvPicPr>
+            <a:picLocks noChangeAspect="1" noChangeArrowheads="1"/>
+          </p:cNvPicPr>
+          <p:nvPr/>
+        </p:nvPicPr>
+        <p:blipFill>
+          <a:blip r:embed="rId4" cstate="print">
+            <a:extLst>
+              <a:ext uri="{28A0092B-C50C-407E-A947-70E740481C1C}">
+                <a14:useLocalDpi xmlns:a14="http://schemas.microsoft.com/office/drawing/2010/main" val="0"/>
+              </a:ext>
+            </a:extLst>
+          </a:blip>
+          <a:srcRect/>
+          <a:stretch>
+            <a:fillRect/>
+          </a:stretch>
+        </p:blipFill>
+        <p:spPr bwMode="auto">
+          <a:xfrm>
+            <a:off x="1737916" y="1904417"/>
+            <a:ext cx="2734623" cy="1471996"/>
+          </a:xfrm>
+          <a:prstGeom prst="rect">
+            <a:avLst/>
+          </a:prstGeom>
+          <a:noFill/>
+          <a:extLst>
+            <a:ext uri="{909E8E84-426E-40DD-AFC4-6F175D3DCCD1}">
+              <a14:hiddenFill xmlns:a14="http://schemas.microsoft.com/office/drawing/2010/main">
+                <a:solidFill>
+                  <a:srgbClr val="FFFFFF"/>
+                </a:solidFill>
+              </a14:hiddenFill>
+            </a:ext>
+          </a:extLst>
+        </p:spPr>
+      </p:pic>
+      <p:pic>
+        <p:nvPicPr>
+          <p:cNvPr id="1032" name="Picture 8" descr="Image result for API  icon"/>
+          <p:cNvPicPr>
+            <a:picLocks noChangeAspect="1" noChangeArrowheads="1"/>
+          </p:cNvPicPr>
+          <p:nvPr/>
+        </p:nvPicPr>
+        <p:blipFill rotWithShape="1">
+          <a:blip r:embed="rId5">
+            <a:extLst>
+              <a:ext uri="{28A0092B-C50C-407E-A947-70E740481C1C}">
+                <a14:useLocalDpi xmlns:a14="http://schemas.microsoft.com/office/drawing/2010/main" val="0"/>
+              </a:ext>
+            </a:extLst>
+          </a:blip>
+          <a:srcRect b="29829"/>
+          <a:stretch/>
+        </p:blipFill>
+        <p:spPr bwMode="auto">
+          <a:xfrm>
+            <a:off x="5002702" y="1299209"/>
+            <a:ext cx="2338996" cy="2297808"/>
+          </a:xfrm>
+          <a:prstGeom prst="rect">
+            <a:avLst/>
+          </a:prstGeom>
+          <a:noFill/>
+          <a:extLst>
+            <a:ext uri="{909E8E84-426E-40DD-AFC4-6F175D3DCCD1}">
+              <a14:hiddenFill xmlns:a14="http://schemas.microsoft.com/office/drawing/2010/main">
+                <a:solidFill>
+                  <a:srgbClr val="FFFFFF"/>
+                </a:solidFill>
+              </a14:hiddenFill>
+            </a:ext>
+          </a:extLst>
+        </p:spPr>
+      </p:pic>
     </p:spTree>
     <p:extLst>
       <p:ext uri="{BB962C8B-B14F-4D97-AF65-F5344CB8AC3E}">
-        <p14:creationId xmlns:p14="http://schemas.microsoft.com/office/powerpoint/2010/main" val="4236437244"/>
+        <p14:creationId xmlns:p14="http://schemas.microsoft.com/office/powerpoint/2010/main" val="948533253"/>
       </p:ext>
     </p:extLst>
   </p:cSld>

--- a/Presentation/Presentation v5.pptx
+++ b/Presentation/Presentation v5.pptx
@@ -6475,7 +6475,19 @@
           <a:p>
             <a:r>
               <a:rPr lang="en-US" dirty="0" smtClean="0"/>
-              <a:t>Our model doesn’t demonstrate a significant relationships among the data, but it doesn’t mean that there no relationships there, we need to do more additional analysis</a:t>
+              <a:t>Our model doesn’t demonstrate a significant relationships among the data, but it doesn’t mean that </a:t>
+            </a:r>
+            <a:r>
+              <a:rPr lang="en-US" smtClean="0"/>
+              <a:t>there </a:t>
+            </a:r>
+            <a:r>
+              <a:rPr lang="en-US" smtClean="0"/>
+              <a:t>are no </a:t>
+            </a:r>
+            <a:r>
+              <a:rPr lang="en-US" dirty="0" smtClean="0"/>
+              <a:t>relationships there, we need to do more additional analysis</a:t>
             </a:r>
           </a:p>
         </p:txBody>
@@ -7697,11 +7709,11 @@
   <p:clrMapOvr>
     <a:masterClrMapping/>
   </p:clrMapOvr>
-  <mc:AlternateContent xmlns:mc="http://schemas.openxmlformats.org/markup-compatibility/2006">
-    <mc:Choice xmlns:p14="http://schemas.microsoft.com/office/powerpoint/2010/main" Requires="p14">
+  <mc:AlternateContent xmlns:mc="http://schemas.openxmlformats.org/markup-compatibility/2006" xmlns:p14="http://schemas.microsoft.com/office/powerpoint/2010/main">
+    <mc:Choice Requires="p14">
       <p:transition spd="slow" p14:dur="2000"/>
     </mc:Choice>
-    <mc:Fallback>
+    <mc:Fallback xmlns="">
       <p:transition spd="slow"/>
     </mc:Fallback>
   </mc:AlternateContent>

--- a/Presentation/Presentation v5.pptx
+++ b/Presentation/Presentation v5.pptx
@@ -6479,11 +6479,7 @@
             </a:r>
             <a:r>
               <a:rPr lang="en-US" smtClean="0"/>
-              <a:t>there </a:t>
-            </a:r>
-            <a:r>
-              <a:rPr lang="en-US" smtClean="0"/>
-              <a:t>are no </a:t>
+              <a:t>there are no </a:t>
             </a:r>
             <a:r>
               <a:rPr lang="en-US" dirty="0" smtClean="0"/>
@@ -7369,12 +7365,25 @@
         </p:blipFill>
         <p:spPr>
           <a:xfrm>
-            <a:off x="1417585" y="2041642"/>
+            <a:off x="1787040" y="2106297"/>
             <a:ext cx="4207669" cy="2774716"/>
           </a:xfrm>
-          <a:prstGeom prst="rect">
-            <a:avLst/>
+          <a:prstGeom prst="roundRect">
+            <a:avLst>
+              <a:gd name="adj" fmla="val 8594"/>
+            </a:avLst>
           </a:prstGeom>
+          <a:solidFill>
+            <a:srgbClr val="FFFFFF">
+              <a:shade val="85000"/>
+            </a:srgbClr>
+          </a:solidFill>
+          <a:ln>
+            <a:noFill/>
+          </a:ln>
+          <a:effectLst>
+            <a:reflection blurRad="12700" stA="38000" endPos="28000" dist="5000" dir="5400000" sy="-100000" algn="bl" rotWithShape="0"/>
+          </a:effectLst>
         </p:spPr>
       </p:pic>
       <p:sp>
